--- a/Karakter Tasarimi/ErenGunSunum.pptx
+++ b/Karakter Tasarimi/ErenGunSunum.pptx
@@ -4,6 +4,9 @@
   <p:sldMasterIdLst>
     <p:sldMasterId id="2147483648" r:id="rId1"/>
   </p:sldMasterIdLst>
+  <p:notesMasterIdLst>
+    <p:notesMasterId r:id="rId17"/>
+  </p:notesMasterIdLst>
   <p:sldIdLst>
     <p:sldId id="256" r:id="rId2"/>
     <p:sldId id="257" r:id="rId3"/>
@@ -14,7 +17,12 @@
     <p:sldId id="262" r:id="rId8"/>
     <p:sldId id="263" r:id="rId9"/>
     <p:sldId id="264" r:id="rId10"/>
-    <p:sldId id="265" r:id="rId11"/>
+    <p:sldId id="266" r:id="rId11"/>
+    <p:sldId id="267" r:id="rId12"/>
+    <p:sldId id="268" r:id="rId13"/>
+    <p:sldId id="269" r:id="rId14"/>
+    <p:sldId id="270" r:id="rId15"/>
+    <p:sldId id="265" r:id="rId16"/>
   </p:sldIdLst>
   <p:sldSz cx="12192000" cy="6858000"/>
   <p:notesSz cx="6858000" cy="9144000"/>
@@ -113,7 +121,1154 @@
       </a:defRPr>
     </a:lvl9pPr>
   </p:defaultTextStyle>
+  <p:extLst>
+    <p:ext uri="{EFAFB233-063F-42B5-8137-9DF3F51BA10A}">
+      <p15:sldGuideLst xmlns:p15="http://schemas.microsoft.com/office/powerpoint/2012/main"/>
+    </p:ext>
+  </p:extLst>
 </p:presentation>
+</file>
+
+<file path=ppt/notesMasters/notesMaster1.xml><?xml version="1.0" encoding="utf-8"?>
+<p:notesMaster xmlns:a="http://schemas.openxmlformats.org/drawingml/2006/main" xmlns:r="http://schemas.openxmlformats.org/officeDocument/2006/relationships" xmlns:p="http://schemas.openxmlformats.org/presentationml/2006/main">
+  <p:cSld>
+    <p:bg>
+      <p:bgRef idx="1001">
+        <a:schemeClr val="bg1"/>
+      </p:bgRef>
+    </p:bg>
+    <p:spTree>
+      <p:nvGrpSpPr>
+        <p:cNvPr id="1" name=""/>
+        <p:cNvGrpSpPr/>
+        <p:nvPr/>
+      </p:nvGrpSpPr>
+      <p:grpSpPr>
+        <a:xfrm>
+          <a:off x="0" y="0"/>
+          <a:ext cx="0" cy="0"/>
+          <a:chOff x="0" y="0"/>
+          <a:chExt cx="0" cy="0"/>
+        </a:xfrm>
+      </p:grpSpPr>
+      <p:sp>
+        <p:nvSpPr>
+          <p:cNvPr id="2" name="Üstbilgi Yer Tutucusu 1"/>
+          <p:cNvSpPr>
+            <a:spLocks noGrp="1"/>
+          </p:cNvSpPr>
+          <p:nvPr>
+            <p:ph type="hdr" sz="quarter"/>
+          </p:nvPr>
+        </p:nvSpPr>
+        <p:spPr>
+          <a:xfrm>
+            <a:off x="0" y="0"/>
+            <a:ext cx="2971800" cy="458788"/>
+          </a:xfrm>
+          <a:prstGeom prst="rect">
+            <a:avLst/>
+          </a:prstGeom>
+        </p:spPr>
+        <p:txBody>
+          <a:bodyPr vert="horz" lIns="91440" tIns="45720" rIns="91440" bIns="45720" rtlCol="0"/>
+          <a:lstStyle>
+            <a:lvl1pPr algn="l">
+              <a:defRPr sz="1200"/>
+            </a:lvl1pPr>
+          </a:lstStyle>
+          <a:p>
+            <a:endParaRPr lang="tr-TR"/>
+          </a:p>
+        </p:txBody>
+      </p:sp>
+      <p:sp>
+        <p:nvSpPr>
+          <p:cNvPr id="3" name="Veri Yer Tutucusu 2"/>
+          <p:cNvSpPr>
+            <a:spLocks noGrp="1"/>
+          </p:cNvSpPr>
+          <p:nvPr>
+            <p:ph type="dt" idx="1"/>
+          </p:nvPr>
+        </p:nvSpPr>
+        <p:spPr>
+          <a:xfrm>
+            <a:off x="3884613" y="0"/>
+            <a:ext cx="2971800" cy="458788"/>
+          </a:xfrm>
+          <a:prstGeom prst="rect">
+            <a:avLst/>
+          </a:prstGeom>
+        </p:spPr>
+        <p:txBody>
+          <a:bodyPr vert="horz" lIns="91440" tIns="45720" rIns="91440" bIns="45720" rtlCol="0"/>
+          <a:lstStyle>
+            <a:lvl1pPr algn="r">
+              <a:defRPr sz="1200"/>
+            </a:lvl1pPr>
+          </a:lstStyle>
+          <a:p>
+            <a:fld id="{047BC88C-6AF9-4918-BFFC-21FAB1F037F0}" type="datetimeFigureOut">
+              <a:rPr lang="tr-TR" smtClean="0"/>
+              <a:t>9.11.2021</a:t>
+            </a:fld>
+            <a:endParaRPr lang="tr-TR"/>
+          </a:p>
+        </p:txBody>
+      </p:sp>
+      <p:sp>
+        <p:nvSpPr>
+          <p:cNvPr id="4" name="Slayt Görüntüsü Yer Tutucusu 3"/>
+          <p:cNvSpPr>
+            <a:spLocks noGrp="1" noRot="1" noChangeAspect="1"/>
+          </p:cNvSpPr>
+          <p:nvPr>
+            <p:ph type="sldImg" idx="2"/>
+          </p:nvPr>
+        </p:nvSpPr>
+        <p:spPr>
+          <a:xfrm>
+            <a:off x="685800" y="1143000"/>
+            <a:ext cx="5486400" cy="3086100"/>
+          </a:xfrm>
+          <a:prstGeom prst="rect">
+            <a:avLst/>
+          </a:prstGeom>
+          <a:noFill/>
+          <a:ln w="12700">
+            <a:solidFill>
+              <a:prstClr val="black"/>
+            </a:solidFill>
+          </a:ln>
+        </p:spPr>
+        <p:txBody>
+          <a:bodyPr vert="horz" lIns="91440" tIns="45720" rIns="91440" bIns="45720" rtlCol="0" anchor="ctr"/>
+          <a:lstStyle/>
+          <a:p>
+            <a:endParaRPr lang="tr-TR"/>
+          </a:p>
+        </p:txBody>
+      </p:sp>
+      <p:sp>
+        <p:nvSpPr>
+          <p:cNvPr id="5" name="Not Yer Tutucusu 4"/>
+          <p:cNvSpPr>
+            <a:spLocks noGrp="1"/>
+          </p:cNvSpPr>
+          <p:nvPr>
+            <p:ph type="body" sz="quarter" idx="3"/>
+          </p:nvPr>
+        </p:nvSpPr>
+        <p:spPr>
+          <a:xfrm>
+            <a:off x="685800" y="4400550"/>
+            <a:ext cx="5486400" cy="3600450"/>
+          </a:xfrm>
+          <a:prstGeom prst="rect">
+            <a:avLst/>
+          </a:prstGeom>
+        </p:spPr>
+        <p:txBody>
+          <a:bodyPr vert="horz" lIns="91440" tIns="45720" rIns="91440" bIns="45720" rtlCol="0"/>
+          <a:lstStyle/>
+          <a:p>
+            <a:pPr lvl="0"/>
+            <a:r>
+              <a:rPr lang="tr-TR" smtClean="0"/>
+              <a:t>Asıl metin stillerini düzenle</a:t>
+            </a:r>
+          </a:p>
+          <a:p>
+            <a:pPr lvl="1"/>
+            <a:r>
+              <a:rPr lang="tr-TR" smtClean="0"/>
+              <a:t>İkinci düzey</a:t>
+            </a:r>
+          </a:p>
+          <a:p>
+            <a:pPr lvl="2"/>
+            <a:r>
+              <a:rPr lang="tr-TR" smtClean="0"/>
+              <a:t>Üçüncü düzey</a:t>
+            </a:r>
+          </a:p>
+          <a:p>
+            <a:pPr lvl="3"/>
+            <a:r>
+              <a:rPr lang="tr-TR" smtClean="0"/>
+              <a:t>Dördüncü düzey</a:t>
+            </a:r>
+          </a:p>
+          <a:p>
+            <a:pPr lvl="4"/>
+            <a:r>
+              <a:rPr lang="tr-TR" smtClean="0"/>
+              <a:t>Beşinci düzey</a:t>
+            </a:r>
+            <a:endParaRPr lang="tr-TR"/>
+          </a:p>
+        </p:txBody>
+      </p:sp>
+      <p:sp>
+        <p:nvSpPr>
+          <p:cNvPr id="6" name="Altbilgi Yer Tutucusu 5"/>
+          <p:cNvSpPr>
+            <a:spLocks noGrp="1"/>
+          </p:cNvSpPr>
+          <p:nvPr>
+            <p:ph type="ftr" sz="quarter" idx="4"/>
+          </p:nvPr>
+        </p:nvSpPr>
+        <p:spPr>
+          <a:xfrm>
+            <a:off x="0" y="8685213"/>
+            <a:ext cx="2971800" cy="458787"/>
+          </a:xfrm>
+          <a:prstGeom prst="rect">
+            <a:avLst/>
+          </a:prstGeom>
+        </p:spPr>
+        <p:txBody>
+          <a:bodyPr vert="horz" lIns="91440" tIns="45720" rIns="91440" bIns="45720" rtlCol="0" anchor="b"/>
+          <a:lstStyle>
+            <a:lvl1pPr algn="l">
+              <a:defRPr sz="1200"/>
+            </a:lvl1pPr>
+          </a:lstStyle>
+          <a:p>
+            <a:endParaRPr lang="tr-TR"/>
+          </a:p>
+        </p:txBody>
+      </p:sp>
+      <p:sp>
+        <p:nvSpPr>
+          <p:cNvPr id="7" name="Slayt Numarası Yer Tutucusu 6"/>
+          <p:cNvSpPr>
+            <a:spLocks noGrp="1"/>
+          </p:cNvSpPr>
+          <p:nvPr>
+            <p:ph type="sldNum" sz="quarter" idx="5"/>
+          </p:nvPr>
+        </p:nvSpPr>
+        <p:spPr>
+          <a:xfrm>
+            <a:off x="3884613" y="8685213"/>
+            <a:ext cx="2971800" cy="458787"/>
+          </a:xfrm>
+          <a:prstGeom prst="rect">
+            <a:avLst/>
+          </a:prstGeom>
+        </p:spPr>
+        <p:txBody>
+          <a:bodyPr vert="horz" lIns="91440" tIns="45720" rIns="91440" bIns="45720" rtlCol="0" anchor="b"/>
+          <a:lstStyle>
+            <a:lvl1pPr algn="r">
+              <a:defRPr sz="1200"/>
+            </a:lvl1pPr>
+          </a:lstStyle>
+          <a:p>
+            <a:fld id="{F37A66D0-14EF-479C-966F-1A1A091F3212}" type="slidenum">
+              <a:rPr lang="tr-TR" smtClean="0"/>
+              <a:t>‹#›</a:t>
+            </a:fld>
+            <a:endParaRPr lang="tr-TR"/>
+          </a:p>
+        </p:txBody>
+      </p:sp>
+    </p:spTree>
+    <p:extLst>
+      <p:ext uri="{BB962C8B-B14F-4D97-AF65-F5344CB8AC3E}">
+        <p14:creationId xmlns:p14="http://schemas.microsoft.com/office/powerpoint/2010/main" val="3220946145"/>
+      </p:ext>
+    </p:extLst>
+  </p:cSld>
+  <p:clrMap bg1="lt1" tx1="dk1" bg2="lt2" tx2="dk2" accent1="accent1" accent2="accent2" accent3="accent3" accent4="accent4" accent5="accent5" accent6="accent6" hlink="hlink" folHlink="folHlink"/>
+  <p:notesStyle>
+    <a:lvl1pPr marL="0" algn="l" defTabSz="914400" rtl="0" eaLnBrk="1" latinLnBrk="0" hangingPunct="1">
+      <a:defRPr sz="1200" kern="1200">
+        <a:solidFill>
+          <a:schemeClr val="tx1"/>
+        </a:solidFill>
+        <a:latin typeface="+mn-lt"/>
+        <a:ea typeface="+mn-ea"/>
+        <a:cs typeface="+mn-cs"/>
+      </a:defRPr>
+    </a:lvl1pPr>
+    <a:lvl2pPr marL="457200" algn="l" defTabSz="914400" rtl="0" eaLnBrk="1" latinLnBrk="0" hangingPunct="1">
+      <a:defRPr sz="1200" kern="1200">
+        <a:solidFill>
+          <a:schemeClr val="tx1"/>
+        </a:solidFill>
+        <a:latin typeface="+mn-lt"/>
+        <a:ea typeface="+mn-ea"/>
+        <a:cs typeface="+mn-cs"/>
+      </a:defRPr>
+    </a:lvl2pPr>
+    <a:lvl3pPr marL="914400" algn="l" defTabSz="914400" rtl="0" eaLnBrk="1" latinLnBrk="0" hangingPunct="1">
+      <a:defRPr sz="1200" kern="1200">
+        <a:solidFill>
+          <a:schemeClr val="tx1"/>
+        </a:solidFill>
+        <a:latin typeface="+mn-lt"/>
+        <a:ea typeface="+mn-ea"/>
+        <a:cs typeface="+mn-cs"/>
+      </a:defRPr>
+    </a:lvl3pPr>
+    <a:lvl4pPr marL="1371600" algn="l" defTabSz="914400" rtl="0" eaLnBrk="1" latinLnBrk="0" hangingPunct="1">
+      <a:defRPr sz="1200" kern="1200">
+        <a:solidFill>
+          <a:schemeClr val="tx1"/>
+        </a:solidFill>
+        <a:latin typeface="+mn-lt"/>
+        <a:ea typeface="+mn-ea"/>
+        <a:cs typeface="+mn-cs"/>
+      </a:defRPr>
+    </a:lvl4pPr>
+    <a:lvl5pPr marL="1828800" algn="l" defTabSz="914400" rtl="0" eaLnBrk="1" latinLnBrk="0" hangingPunct="1">
+      <a:defRPr sz="1200" kern="1200">
+        <a:solidFill>
+          <a:schemeClr val="tx1"/>
+        </a:solidFill>
+        <a:latin typeface="+mn-lt"/>
+        <a:ea typeface="+mn-ea"/>
+        <a:cs typeface="+mn-cs"/>
+      </a:defRPr>
+    </a:lvl5pPr>
+    <a:lvl6pPr marL="2286000" algn="l" defTabSz="914400" rtl="0" eaLnBrk="1" latinLnBrk="0" hangingPunct="1">
+      <a:defRPr sz="1200" kern="1200">
+        <a:solidFill>
+          <a:schemeClr val="tx1"/>
+        </a:solidFill>
+        <a:latin typeface="+mn-lt"/>
+        <a:ea typeface="+mn-ea"/>
+        <a:cs typeface="+mn-cs"/>
+      </a:defRPr>
+    </a:lvl6pPr>
+    <a:lvl7pPr marL="2743200" algn="l" defTabSz="914400" rtl="0" eaLnBrk="1" latinLnBrk="0" hangingPunct="1">
+      <a:defRPr sz="1200" kern="1200">
+        <a:solidFill>
+          <a:schemeClr val="tx1"/>
+        </a:solidFill>
+        <a:latin typeface="+mn-lt"/>
+        <a:ea typeface="+mn-ea"/>
+        <a:cs typeface="+mn-cs"/>
+      </a:defRPr>
+    </a:lvl7pPr>
+    <a:lvl8pPr marL="3200400" algn="l" defTabSz="914400" rtl="0" eaLnBrk="1" latinLnBrk="0" hangingPunct="1">
+      <a:defRPr sz="1200" kern="1200">
+        <a:solidFill>
+          <a:schemeClr val="tx1"/>
+        </a:solidFill>
+        <a:latin typeface="+mn-lt"/>
+        <a:ea typeface="+mn-ea"/>
+        <a:cs typeface="+mn-cs"/>
+      </a:defRPr>
+    </a:lvl8pPr>
+    <a:lvl9pPr marL="3657600" algn="l" defTabSz="914400" rtl="0" eaLnBrk="1" latinLnBrk="0" hangingPunct="1">
+      <a:defRPr sz="1200" kern="1200">
+        <a:solidFill>
+          <a:schemeClr val="tx1"/>
+        </a:solidFill>
+        <a:latin typeface="+mn-lt"/>
+        <a:ea typeface="+mn-ea"/>
+        <a:cs typeface="+mn-cs"/>
+      </a:defRPr>
+    </a:lvl9pPr>
+  </p:notesStyle>
+</p:notesMaster>
+</file>
+
+<file path=ppt/notesSlides/notesSlide1.xml><?xml version="1.0" encoding="utf-8"?>
+<p:notes xmlns:a="http://schemas.openxmlformats.org/drawingml/2006/main" xmlns:r="http://schemas.openxmlformats.org/officeDocument/2006/relationships" xmlns:p="http://schemas.openxmlformats.org/presentationml/2006/main">
+  <p:cSld>
+    <p:spTree>
+      <p:nvGrpSpPr>
+        <p:cNvPr id="1" name=""/>
+        <p:cNvGrpSpPr/>
+        <p:nvPr/>
+      </p:nvGrpSpPr>
+      <p:grpSpPr>
+        <a:xfrm>
+          <a:off x="0" y="0"/>
+          <a:ext cx="0" cy="0"/>
+          <a:chOff x="0" y="0"/>
+          <a:chExt cx="0" cy="0"/>
+        </a:xfrm>
+      </p:grpSpPr>
+      <p:sp>
+        <p:nvSpPr>
+          <p:cNvPr id="2" name="Slayt Görüntüsü Yer Tutucusu 1"/>
+          <p:cNvSpPr>
+            <a:spLocks noGrp="1" noRot="1" noChangeAspect="1"/>
+          </p:cNvSpPr>
+          <p:nvPr>
+            <p:ph type="sldImg"/>
+          </p:nvPr>
+        </p:nvSpPr>
+        <p:spPr/>
+      </p:sp>
+      <p:sp>
+        <p:nvSpPr>
+          <p:cNvPr id="3" name="Not Yer Tutucusu 2"/>
+          <p:cNvSpPr>
+            <a:spLocks noGrp="1"/>
+          </p:cNvSpPr>
+          <p:nvPr>
+            <p:ph type="body" idx="1"/>
+          </p:nvPr>
+        </p:nvSpPr>
+        <p:spPr/>
+        <p:txBody>
+          <a:bodyPr/>
+          <a:lstStyle/>
+          <a:p>
+            <a:r>
+              <a:rPr lang="tr-TR" dirty="0" smtClean="0"/>
+              <a:t>https://www.youtube.com/watch?v=6G3O60o5U7w</a:t>
+            </a:r>
+            <a:endParaRPr lang="tr-TR" dirty="0"/>
+          </a:p>
+        </p:txBody>
+      </p:sp>
+      <p:sp>
+        <p:nvSpPr>
+          <p:cNvPr id="4" name="Slayt Numarası Yer Tutucusu 3"/>
+          <p:cNvSpPr>
+            <a:spLocks noGrp="1"/>
+          </p:cNvSpPr>
+          <p:nvPr>
+            <p:ph type="sldNum" sz="quarter" idx="10"/>
+          </p:nvPr>
+        </p:nvSpPr>
+        <p:spPr/>
+        <p:txBody>
+          <a:bodyPr/>
+          <a:lstStyle/>
+          <a:p>
+            <a:fld id="{F37A66D0-14EF-479C-966F-1A1A091F3212}" type="slidenum">
+              <a:rPr lang="tr-TR" smtClean="0"/>
+              <a:t>3</a:t>
+            </a:fld>
+            <a:endParaRPr lang="tr-TR"/>
+          </a:p>
+        </p:txBody>
+      </p:sp>
+    </p:spTree>
+    <p:extLst>
+      <p:ext uri="{BB962C8B-B14F-4D97-AF65-F5344CB8AC3E}">
+        <p14:creationId xmlns:p14="http://schemas.microsoft.com/office/powerpoint/2010/main" val="3101216266"/>
+      </p:ext>
+    </p:extLst>
+  </p:cSld>
+  <p:clrMapOvr>
+    <a:masterClrMapping/>
+  </p:clrMapOvr>
+</p:notes>
+</file>
+
+<file path=ppt/notesSlides/notesSlide2.xml><?xml version="1.0" encoding="utf-8"?>
+<p:notes xmlns:a="http://schemas.openxmlformats.org/drawingml/2006/main" xmlns:r="http://schemas.openxmlformats.org/officeDocument/2006/relationships" xmlns:p="http://schemas.openxmlformats.org/presentationml/2006/main">
+  <p:cSld>
+    <p:spTree>
+      <p:nvGrpSpPr>
+        <p:cNvPr id="1" name=""/>
+        <p:cNvGrpSpPr/>
+        <p:nvPr/>
+      </p:nvGrpSpPr>
+      <p:grpSpPr>
+        <a:xfrm>
+          <a:off x="0" y="0"/>
+          <a:ext cx="0" cy="0"/>
+          <a:chOff x="0" y="0"/>
+          <a:chExt cx="0" cy="0"/>
+        </a:xfrm>
+      </p:grpSpPr>
+      <p:sp>
+        <p:nvSpPr>
+          <p:cNvPr id="2" name="Slayt Görüntüsü Yer Tutucusu 1"/>
+          <p:cNvSpPr>
+            <a:spLocks noGrp="1" noRot="1" noChangeAspect="1"/>
+          </p:cNvSpPr>
+          <p:nvPr>
+            <p:ph type="sldImg"/>
+          </p:nvPr>
+        </p:nvSpPr>
+        <p:spPr/>
+      </p:sp>
+      <p:sp>
+        <p:nvSpPr>
+          <p:cNvPr id="3" name="Not Yer Tutucusu 2"/>
+          <p:cNvSpPr>
+            <a:spLocks noGrp="1"/>
+          </p:cNvSpPr>
+          <p:nvPr>
+            <p:ph type="body" idx="1"/>
+          </p:nvPr>
+        </p:nvSpPr>
+        <p:spPr/>
+        <p:txBody>
+          <a:bodyPr/>
+          <a:lstStyle/>
+          <a:p>
+            <a:r>
+              <a:rPr lang="tr-TR" dirty="0" smtClean="0"/>
+              <a:t>https://www.youtube.com/watch?v=Yf48R459HSk</a:t>
+            </a:r>
+            <a:endParaRPr lang="tr-TR" dirty="0"/>
+          </a:p>
+        </p:txBody>
+      </p:sp>
+      <p:sp>
+        <p:nvSpPr>
+          <p:cNvPr id="4" name="Slayt Numarası Yer Tutucusu 3"/>
+          <p:cNvSpPr>
+            <a:spLocks noGrp="1"/>
+          </p:cNvSpPr>
+          <p:nvPr>
+            <p:ph type="sldNum" sz="quarter" idx="10"/>
+          </p:nvPr>
+        </p:nvSpPr>
+        <p:spPr/>
+        <p:txBody>
+          <a:bodyPr/>
+          <a:lstStyle/>
+          <a:p>
+            <a:fld id="{F37A66D0-14EF-479C-966F-1A1A091F3212}" type="slidenum">
+              <a:rPr lang="tr-TR" smtClean="0"/>
+              <a:t>4</a:t>
+            </a:fld>
+            <a:endParaRPr lang="tr-TR"/>
+          </a:p>
+        </p:txBody>
+      </p:sp>
+    </p:spTree>
+    <p:extLst>
+      <p:ext uri="{BB962C8B-B14F-4D97-AF65-F5344CB8AC3E}">
+        <p14:creationId xmlns:p14="http://schemas.microsoft.com/office/powerpoint/2010/main" val="239671841"/>
+      </p:ext>
+    </p:extLst>
+  </p:cSld>
+  <p:clrMapOvr>
+    <a:masterClrMapping/>
+  </p:clrMapOvr>
+</p:notes>
+</file>
+
+<file path=ppt/notesSlides/notesSlide3.xml><?xml version="1.0" encoding="utf-8"?>
+<p:notes xmlns:a="http://schemas.openxmlformats.org/drawingml/2006/main" xmlns:r="http://schemas.openxmlformats.org/officeDocument/2006/relationships" xmlns:p="http://schemas.openxmlformats.org/presentationml/2006/main">
+  <p:cSld>
+    <p:spTree>
+      <p:nvGrpSpPr>
+        <p:cNvPr id="1" name=""/>
+        <p:cNvGrpSpPr/>
+        <p:nvPr/>
+      </p:nvGrpSpPr>
+      <p:grpSpPr>
+        <a:xfrm>
+          <a:off x="0" y="0"/>
+          <a:ext cx="0" cy="0"/>
+          <a:chOff x="0" y="0"/>
+          <a:chExt cx="0" cy="0"/>
+        </a:xfrm>
+      </p:grpSpPr>
+      <p:sp>
+        <p:nvSpPr>
+          <p:cNvPr id="2" name="Slayt Görüntüsü Yer Tutucusu 1"/>
+          <p:cNvSpPr>
+            <a:spLocks noGrp="1" noRot="1" noChangeAspect="1"/>
+          </p:cNvSpPr>
+          <p:nvPr>
+            <p:ph type="sldImg"/>
+          </p:nvPr>
+        </p:nvSpPr>
+        <p:spPr/>
+      </p:sp>
+      <p:sp>
+        <p:nvSpPr>
+          <p:cNvPr id="3" name="Not Yer Tutucusu 2"/>
+          <p:cNvSpPr>
+            <a:spLocks noGrp="1"/>
+          </p:cNvSpPr>
+          <p:nvPr>
+            <p:ph type="body" idx="1"/>
+          </p:nvPr>
+        </p:nvSpPr>
+        <p:spPr/>
+        <p:txBody>
+          <a:bodyPr/>
+          <a:lstStyle/>
+          <a:p>
+            <a:r>
+              <a:rPr lang="tr-TR" dirty="0" smtClean="0"/>
+              <a:t>https://www.youtube.com/watch?v=8RVnTY7NVdQ</a:t>
+            </a:r>
+            <a:endParaRPr lang="tr-TR" dirty="0"/>
+          </a:p>
+        </p:txBody>
+      </p:sp>
+      <p:sp>
+        <p:nvSpPr>
+          <p:cNvPr id="4" name="Slayt Numarası Yer Tutucusu 3"/>
+          <p:cNvSpPr>
+            <a:spLocks noGrp="1"/>
+          </p:cNvSpPr>
+          <p:nvPr>
+            <p:ph type="sldNum" sz="quarter" idx="10"/>
+          </p:nvPr>
+        </p:nvSpPr>
+        <p:spPr/>
+        <p:txBody>
+          <a:bodyPr/>
+          <a:lstStyle/>
+          <a:p>
+            <a:fld id="{F37A66D0-14EF-479C-966F-1A1A091F3212}" type="slidenum">
+              <a:rPr lang="tr-TR" smtClean="0"/>
+              <a:t>5</a:t>
+            </a:fld>
+            <a:endParaRPr lang="tr-TR"/>
+          </a:p>
+        </p:txBody>
+      </p:sp>
+    </p:spTree>
+    <p:extLst>
+      <p:ext uri="{BB962C8B-B14F-4D97-AF65-F5344CB8AC3E}">
+        <p14:creationId xmlns:p14="http://schemas.microsoft.com/office/powerpoint/2010/main" val="2668468733"/>
+      </p:ext>
+    </p:extLst>
+  </p:cSld>
+  <p:clrMapOvr>
+    <a:masterClrMapping/>
+  </p:clrMapOvr>
+</p:notes>
+</file>
+
+<file path=ppt/notesSlides/notesSlide4.xml><?xml version="1.0" encoding="utf-8"?>
+<p:notes xmlns:a="http://schemas.openxmlformats.org/drawingml/2006/main" xmlns:r="http://schemas.openxmlformats.org/officeDocument/2006/relationships" xmlns:p="http://schemas.openxmlformats.org/presentationml/2006/main">
+  <p:cSld>
+    <p:spTree>
+      <p:nvGrpSpPr>
+        <p:cNvPr id="1" name=""/>
+        <p:cNvGrpSpPr/>
+        <p:nvPr/>
+      </p:nvGrpSpPr>
+      <p:grpSpPr>
+        <a:xfrm>
+          <a:off x="0" y="0"/>
+          <a:ext cx="0" cy="0"/>
+          <a:chOff x="0" y="0"/>
+          <a:chExt cx="0" cy="0"/>
+        </a:xfrm>
+      </p:grpSpPr>
+      <p:sp>
+        <p:nvSpPr>
+          <p:cNvPr id="2" name="Slayt Görüntüsü Yer Tutucusu 1"/>
+          <p:cNvSpPr>
+            <a:spLocks noGrp="1" noRot="1" noChangeAspect="1"/>
+          </p:cNvSpPr>
+          <p:nvPr>
+            <p:ph type="sldImg"/>
+          </p:nvPr>
+        </p:nvSpPr>
+        <p:spPr/>
+      </p:sp>
+      <p:sp>
+        <p:nvSpPr>
+          <p:cNvPr id="3" name="Not Yer Tutucusu 2"/>
+          <p:cNvSpPr>
+            <a:spLocks noGrp="1"/>
+          </p:cNvSpPr>
+          <p:nvPr>
+            <p:ph type="body" idx="1"/>
+          </p:nvPr>
+        </p:nvSpPr>
+        <p:spPr/>
+        <p:txBody>
+          <a:bodyPr/>
+          <a:lstStyle/>
+          <a:p>
+            <a:r>
+              <a:rPr lang="tr-TR" dirty="0" smtClean="0"/>
+              <a:t>https://www.youtube.com/watch?v=ai1q1JKBw4s</a:t>
+            </a:r>
+            <a:endParaRPr lang="tr-TR" dirty="0"/>
+          </a:p>
+        </p:txBody>
+      </p:sp>
+      <p:sp>
+        <p:nvSpPr>
+          <p:cNvPr id="4" name="Slayt Numarası Yer Tutucusu 3"/>
+          <p:cNvSpPr>
+            <a:spLocks noGrp="1"/>
+          </p:cNvSpPr>
+          <p:nvPr>
+            <p:ph type="sldNum" sz="quarter" idx="10"/>
+          </p:nvPr>
+        </p:nvSpPr>
+        <p:spPr/>
+        <p:txBody>
+          <a:bodyPr/>
+          <a:lstStyle/>
+          <a:p>
+            <a:fld id="{F37A66D0-14EF-479C-966F-1A1A091F3212}" type="slidenum">
+              <a:rPr lang="tr-TR" smtClean="0"/>
+              <a:t>6</a:t>
+            </a:fld>
+            <a:endParaRPr lang="tr-TR"/>
+          </a:p>
+        </p:txBody>
+      </p:sp>
+    </p:spTree>
+    <p:extLst>
+      <p:ext uri="{BB962C8B-B14F-4D97-AF65-F5344CB8AC3E}">
+        <p14:creationId xmlns:p14="http://schemas.microsoft.com/office/powerpoint/2010/main" val="856711030"/>
+      </p:ext>
+    </p:extLst>
+  </p:cSld>
+  <p:clrMapOvr>
+    <a:masterClrMapping/>
+  </p:clrMapOvr>
+</p:notes>
+</file>
+
+<file path=ppt/notesSlides/notesSlide5.xml><?xml version="1.0" encoding="utf-8"?>
+<p:notes xmlns:a="http://schemas.openxmlformats.org/drawingml/2006/main" xmlns:r="http://schemas.openxmlformats.org/officeDocument/2006/relationships" xmlns:p="http://schemas.openxmlformats.org/presentationml/2006/main">
+  <p:cSld>
+    <p:spTree>
+      <p:nvGrpSpPr>
+        <p:cNvPr id="1" name=""/>
+        <p:cNvGrpSpPr/>
+        <p:nvPr/>
+      </p:nvGrpSpPr>
+      <p:grpSpPr>
+        <a:xfrm>
+          <a:off x="0" y="0"/>
+          <a:ext cx="0" cy="0"/>
+          <a:chOff x="0" y="0"/>
+          <a:chExt cx="0" cy="0"/>
+        </a:xfrm>
+      </p:grpSpPr>
+      <p:sp>
+        <p:nvSpPr>
+          <p:cNvPr id="2" name="Slayt Görüntüsü Yer Tutucusu 1"/>
+          <p:cNvSpPr>
+            <a:spLocks noGrp="1" noRot="1" noChangeAspect="1"/>
+          </p:cNvSpPr>
+          <p:nvPr>
+            <p:ph type="sldImg"/>
+          </p:nvPr>
+        </p:nvSpPr>
+        <p:spPr/>
+      </p:sp>
+      <p:sp>
+        <p:nvSpPr>
+          <p:cNvPr id="3" name="Not Yer Tutucusu 2"/>
+          <p:cNvSpPr>
+            <a:spLocks noGrp="1"/>
+          </p:cNvSpPr>
+          <p:nvPr>
+            <p:ph type="body" idx="1"/>
+          </p:nvPr>
+        </p:nvSpPr>
+        <p:spPr/>
+        <p:txBody>
+          <a:bodyPr/>
+          <a:lstStyle/>
+          <a:p>
+            <a:r>
+              <a:rPr lang="tr-TR" dirty="0" smtClean="0"/>
+              <a:t>https://www.youtube.com/watch?v=9K-Gv4XVb10</a:t>
+            </a:r>
+            <a:endParaRPr lang="tr-TR" dirty="0"/>
+          </a:p>
+        </p:txBody>
+      </p:sp>
+      <p:sp>
+        <p:nvSpPr>
+          <p:cNvPr id="4" name="Slayt Numarası Yer Tutucusu 3"/>
+          <p:cNvSpPr>
+            <a:spLocks noGrp="1"/>
+          </p:cNvSpPr>
+          <p:nvPr>
+            <p:ph type="sldNum" sz="quarter" idx="10"/>
+          </p:nvPr>
+        </p:nvSpPr>
+        <p:spPr/>
+        <p:txBody>
+          <a:bodyPr/>
+          <a:lstStyle/>
+          <a:p>
+            <a:fld id="{F37A66D0-14EF-479C-966F-1A1A091F3212}" type="slidenum">
+              <a:rPr lang="tr-TR" smtClean="0"/>
+              <a:t>7</a:t>
+            </a:fld>
+            <a:endParaRPr lang="tr-TR"/>
+          </a:p>
+        </p:txBody>
+      </p:sp>
+    </p:spTree>
+    <p:extLst>
+      <p:ext uri="{BB962C8B-B14F-4D97-AF65-F5344CB8AC3E}">
+        <p14:creationId xmlns:p14="http://schemas.microsoft.com/office/powerpoint/2010/main" val="1622953317"/>
+      </p:ext>
+    </p:extLst>
+  </p:cSld>
+  <p:clrMapOvr>
+    <a:masterClrMapping/>
+  </p:clrMapOvr>
+</p:notes>
+</file>
+
+<file path=ppt/notesSlides/notesSlide6.xml><?xml version="1.0" encoding="utf-8"?>
+<p:notes xmlns:a="http://schemas.openxmlformats.org/drawingml/2006/main" xmlns:r="http://schemas.openxmlformats.org/officeDocument/2006/relationships" xmlns:p="http://schemas.openxmlformats.org/presentationml/2006/main">
+  <p:cSld>
+    <p:spTree>
+      <p:nvGrpSpPr>
+        <p:cNvPr id="1" name=""/>
+        <p:cNvGrpSpPr/>
+        <p:nvPr/>
+      </p:nvGrpSpPr>
+      <p:grpSpPr>
+        <a:xfrm>
+          <a:off x="0" y="0"/>
+          <a:ext cx="0" cy="0"/>
+          <a:chOff x="0" y="0"/>
+          <a:chExt cx="0" cy="0"/>
+        </a:xfrm>
+      </p:grpSpPr>
+      <p:sp>
+        <p:nvSpPr>
+          <p:cNvPr id="2" name="Slayt Görüntüsü Yer Tutucusu 1"/>
+          <p:cNvSpPr>
+            <a:spLocks noGrp="1" noRot="1" noChangeAspect="1"/>
+          </p:cNvSpPr>
+          <p:nvPr>
+            <p:ph type="sldImg"/>
+          </p:nvPr>
+        </p:nvSpPr>
+        <p:spPr/>
+      </p:sp>
+      <p:sp>
+        <p:nvSpPr>
+          <p:cNvPr id="3" name="Not Yer Tutucusu 2"/>
+          <p:cNvSpPr>
+            <a:spLocks noGrp="1"/>
+          </p:cNvSpPr>
+          <p:nvPr>
+            <p:ph type="body" idx="1"/>
+          </p:nvPr>
+        </p:nvSpPr>
+        <p:spPr/>
+        <p:txBody>
+          <a:bodyPr/>
+          <a:lstStyle/>
+          <a:p>
+            <a:r>
+              <a:rPr lang="tr-TR" dirty="0" smtClean="0"/>
+              <a:t>https://www.youtube.com/watch?v=ai1q1JKBw4s</a:t>
+            </a:r>
+            <a:endParaRPr lang="tr-TR" dirty="0"/>
+          </a:p>
+        </p:txBody>
+      </p:sp>
+      <p:sp>
+        <p:nvSpPr>
+          <p:cNvPr id="4" name="Slayt Numarası Yer Tutucusu 3"/>
+          <p:cNvSpPr>
+            <a:spLocks noGrp="1"/>
+          </p:cNvSpPr>
+          <p:nvPr>
+            <p:ph type="sldNum" sz="quarter" idx="10"/>
+          </p:nvPr>
+        </p:nvSpPr>
+        <p:spPr/>
+        <p:txBody>
+          <a:bodyPr/>
+          <a:lstStyle/>
+          <a:p>
+            <a:fld id="{F37A66D0-14EF-479C-966F-1A1A091F3212}" type="slidenum">
+              <a:rPr lang="tr-TR" smtClean="0"/>
+              <a:t>8</a:t>
+            </a:fld>
+            <a:endParaRPr lang="tr-TR"/>
+          </a:p>
+        </p:txBody>
+      </p:sp>
+    </p:spTree>
+    <p:extLst>
+      <p:ext uri="{BB962C8B-B14F-4D97-AF65-F5344CB8AC3E}">
+        <p14:creationId xmlns:p14="http://schemas.microsoft.com/office/powerpoint/2010/main" val="676719287"/>
+      </p:ext>
+    </p:extLst>
+  </p:cSld>
+  <p:clrMapOvr>
+    <a:masterClrMapping/>
+  </p:clrMapOvr>
+</p:notes>
+</file>
+
+<file path=ppt/notesSlides/notesSlide7.xml><?xml version="1.0" encoding="utf-8"?>
+<p:notes xmlns:a="http://schemas.openxmlformats.org/drawingml/2006/main" xmlns:r="http://schemas.openxmlformats.org/officeDocument/2006/relationships" xmlns:p="http://schemas.openxmlformats.org/presentationml/2006/main">
+  <p:cSld>
+    <p:spTree>
+      <p:nvGrpSpPr>
+        <p:cNvPr id="1" name=""/>
+        <p:cNvGrpSpPr/>
+        <p:nvPr/>
+      </p:nvGrpSpPr>
+      <p:grpSpPr>
+        <a:xfrm>
+          <a:off x="0" y="0"/>
+          <a:ext cx="0" cy="0"/>
+          <a:chOff x="0" y="0"/>
+          <a:chExt cx="0" cy="0"/>
+        </a:xfrm>
+      </p:grpSpPr>
+      <p:sp>
+        <p:nvSpPr>
+          <p:cNvPr id="2" name="Slayt Görüntüsü Yer Tutucusu 1"/>
+          <p:cNvSpPr>
+            <a:spLocks noGrp="1" noRot="1" noChangeAspect="1"/>
+          </p:cNvSpPr>
+          <p:nvPr>
+            <p:ph type="sldImg"/>
+          </p:nvPr>
+        </p:nvSpPr>
+        <p:spPr/>
+      </p:sp>
+      <p:sp>
+        <p:nvSpPr>
+          <p:cNvPr id="3" name="Not Yer Tutucusu 2"/>
+          <p:cNvSpPr>
+            <a:spLocks noGrp="1"/>
+          </p:cNvSpPr>
+          <p:nvPr>
+            <p:ph type="body" idx="1"/>
+          </p:nvPr>
+        </p:nvSpPr>
+        <p:spPr/>
+        <p:txBody>
+          <a:bodyPr/>
+          <a:lstStyle/>
+          <a:p>
+            <a:r>
+              <a:rPr lang="tr-TR" dirty="0" smtClean="0"/>
+              <a:t>https://www.youtube.com/watch?v=fCjk3QeWj7Q</a:t>
+            </a:r>
+            <a:endParaRPr lang="tr-TR" dirty="0"/>
+          </a:p>
+        </p:txBody>
+      </p:sp>
+      <p:sp>
+        <p:nvSpPr>
+          <p:cNvPr id="4" name="Slayt Numarası Yer Tutucusu 3"/>
+          <p:cNvSpPr>
+            <a:spLocks noGrp="1"/>
+          </p:cNvSpPr>
+          <p:nvPr>
+            <p:ph type="sldNum" sz="quarter" idx="10"/>
+          </p:nvPr>
+        </p:nvSpPr>
+        <p:spPr/>
+        <p:txBody>
+          <a:bodyPr/>
+          <a:lstStyle/>
+          <a:p>
+            <a:fld id="{F37A66D0-14EF-479C-966F-1A1A091F3212}" type="slidenum">
+              <a:rPr lang="tr-TR" smtClean="0"/>
+              <a:t>10</a:t>
+            </a:fld>
+            <a:endParaRPr lang="tr-TR"/>
+          </a:p>
+        </p:txBody>
+      </p:sp>
+    </p:spTree>
+    <p:extLst>
+      <p:ext uri="{BB962C8B-B14F-4D97-AF65-F5344CB8AC3E}">
+        <p14:creationId xmlns:p14="http://schemas.microsoft.com/office/powerpoint/2010/main" val="531123521"/>
+      </p:ext>
+    </p:extLst>
+  </p:cSld>
+  <p:clrMapOvr>
+    <a:masterClrMapping/>
+  </p:clrMapOvr>
+</p:notes>
+</file>
+
+<file path=ppt/notesSlides/notesSlide8.xml><?xml version="1.0" encoding="utf-8"?>
+<p:notes xmlns:a="http://schemas.openxmlformats.org/drawingml/2006/main" xmlns:r="http://schemas.openxmlformats.org/officeDocument/2006/relationships" xmlns:p="http://schemas.openxmlformats.org/presentationml/2006/main">
+  <p:cSld>
+    <p:spTree>
+      <p:nvGrpSpPr>
+        <p:cNvPr id="1" name=""/>
+        <p:cNvGrpSpPr/>
+        <p:nvPr/>
+      </p:nvGrpSpPr>
+      <p:grpSpPr>
+        <a:xfrm>
+          <a:off x="0" y="0"/>
+          <a:ext cx="0" cy="0"/>
+          <a:chOff x="0" y="0"/>
+          <a:chExt cx="0" cy="0"/>
+        </a:xfrm>
+      </p:grpSpPr>
+      <p:sp>
+        <p:nvSpPr>
+          <p:cNvPr id="2" name="Slayt Görüntüsü Yer Tutucusu 1"/>
+          <p:cNvSpPr>
+            <a:spLocks noGrp="1" noRot="1" noChangeAspect="1"/>
+          </p:cNvSpPr>
+          <p:nvPr>
+            <p:ph type="sldImg"/>
+          </p:nvPr>
+        </p:nvSpPr>
+        <p:spPr/>
+      </p:sp>
+      <p:sp>
+        <p:nvSpPr>
+          <p:cNvPr id="3" name="Not Yer Tutucusu 2"/>
+          <p:cNvSpPr>
+            <a:spLocks noGrp="1"/>
+          </p:cNvSpPr>
+          <p:nvPr>
+            <p:ph type="body" idx="1"/>
+          </p:nvPr>
+        </p:nvSpPr>
+        <p:spPr/>
+        <p:txBody>
+          <a:bodyPr/>
+          <a:lstStyle/>
+          <a:p>
+            <a:r>
+              <a:rPr lang="tr-TR" dirty="0" smtClean="0"/>
+              <a:t>https://www.youtube.com/watch?v=UayJYYeMANA</a:t>
+            </a:r>
+            <a:endParaRPr lang="tr-TR" dirty="0"/>
+          </a:p>
+        </p:txBody>
+      </p:sp>
+      <p:sp>
+        <p:nvSpPr>
+          <p:cNvPr id="4" name="Slayt Numarası Yer Tutucusu 3"/>
+          <p:cNvSpPr>
+            <a:spLocks noGrp="1"/>
+          </p:cNvSpPr>
+          <p:nvPr>
+            <p:ph type="sldNum" sz="quarter" idx="10"/>
+          </p:nvPr>
+        </p:nvSpPr>
+        <p:spPr/>
+        <p:txBody>
+          <a:bodyPr/>
+          <a:lstStyle/>
+          <a:p>
+            <a:fld id="{F37A66D0-14EF-479C-966F-1A1A091F3212}" type="slidenum">
+              <a:rPr lang="tr-TR" smtClean="0"/>
+              <a:t>11</a:t>
+            </a:fld>
+            <a:endParaRPr lang="tr-TR"/>
+          </a:p>
+        </p:txBody>
+      </p:sp>
+    </p:spTree>
+    <p:extLst>
+      <p:ext uri="{BB962C8B-B14F-4D97-AF65-F5344CB8AC3E}">
+        <p14:creationId xmlns:p14="http://schemas.microsoft.com/office/powerpoint/2010/main" val="4292200055"/>
+      </p:ext>
+    </p:extLst>
+  </p:cSld>
+  <p:clrMapOvr>
+    <a:masterClrMapping/>
+  </p:clrMapOvr>
+</p:notes>
+</file>
+
+<file path=ppt/notesSlides/notesSlide9.xml><?xml version="1.0" encoding="utf-8"?>
+<p:notes xmlns:a="http://schemas.openxmlformats.org/drawingml/2006/main" xmlns:r="http://schemas.openxmlformats.org/officeDocument/2006/relationships" xmlns:p="http://schemas.openxmlformats.org/presentationml/2006/main">
+  <p:cSld>
+    <p:spTree>
+      <p:nvGrpSpPr>
+        <p:cNvPr id="1" name=""/>
+        <p:cNvGrpSpPr/>
+        <p:nvPr/>
+      </p:nvGrpSpPr>
+      <p:grpSpPr>
+        <a:xfrm>
+          <a:off x="0" y="0"/>
+          <a:ext cx="0" cy="0"/>
+          <a:chOff x="0" y="0"/>
+          <a:chExt cx="0" cy="0"/>
+        </a:xfrm>
+      </p:grpSpPr>
+      <p:sp>
+        <p:nvSpPr>
+          <p:cNvPr id="2" name="Slayt Görüntüsü Yer Tutucusu 1"/>
+          <p:cNvSpPr>
+            <a:spLocks noGrp="1" noRot="1" noChangeAspect="1"/>
+          </p:cNvSpPr>
+          <p:nvPr>
+            <p:ph type="sldImg"/>
+          </p:nvPr>
+        </p:nvSpPr>
+        <p:spPr/>
+      </p:sp>
+      <p:sp>
+        <p:nvSpPr>
+          <p:cNvPr id="3" name="Not Yer Tutucusu 2"/>
+          <p:cNvSpPr>
+            <a:spLocks noGrp="1"/>
+          </p:cNvSpPr>
+          <p:nvPr>
+            <p:ph type="body" idx="1"/>
+          </p:nvPr>
+        </p:nvSpPr>
+        <p:spPr/>
+        <p:txBody>
+          <a:bodyPr/>
+          <a:lstStyle/>
+          <a:p>
+            <a:r>
+              <a:rPr lang="tr-TR" dirty="0" smtClean="0"/>
+              <a:t>https://www.youtube.com/watch?v=ZVlVoajZWrs</a:t>
+            </a:r>
+            <a:endParaRPr lang="tr-TR" dirty="0"/>
+          </a:p>
+        </p:txBody>
+      </p:sp>
+      <p:sp>
+        <p:nvSpPr>
+          <p:cNvPr id="4" name="Slayt Numarası Yer Tutucusu 3"/>
+          <p:cNvSpPr>
+            <a:spLocks noGrp="1"/>
+          </p:cNvSpPr>
+          <p:nvPr>
+            <p:ph type="sldNum" sz="quarter" idx="10"/>
+          </p:nvPr>
+        </p:nvSpPr>
+        <p:spPr/>
+        <p:txBody>
+          <a:bodyPr/>
+          <a:lstStyle/>
+          <a:p>
+            <a:fld id="{F37A66D0-14EF-479C-966F-1A1A091F3212}" type="slidenum">
+              <a:rPr lang="tr-TR" smtClean="0"/>
+              <a:t>12</a:t>
+            </a:fld>
+            <a:endParaRPr lang="tr-TR"/>
+          </a:p>
+        </p:txBody>
+      </p:sp>
+    </p:spTree>
+    <p:extLst>
+      <p:ext uri="{BB962C8B-B14F-4D97-AF65-F5344CB8AC3E}">
+        <p14:creationId xmlns:p14="http://schemas.microsoft.com/office/powerpoint/2010/main" val="2769219815"/>
+      </p:ext>
+    </p:extLst>
+  </p:cSld>
+  <p:clrMapOvr>
+    <a:masterClrMapping/>
+  </p:clrMapOvr>
+</p:notes>
 </file>
 
 <file path=ppt/slideLayouts/slideLayout1.xml><?xml version="1.0" encoding="utf-8"?>
@@ -330,7 +1485,7 @@
             <a:fld id="{B61BEF0D-F0BB-DE4B-95CE-6DB70DBA9567}" type="datetimeFigureOut">
               <a:rPr lang="en-US" dirty="0"/>
               <a:pPr/>
-              <a:t>11/3/21</a:t>
+              <a:t>11/9/2021</a:t>
             </a:fld>
             <a:endParaRPr lang="en-US" dirty="0"/>
           </a:p>
@@ -618,7 +1773,7 @@
             <a:fld id="{B61BEF0D-F0BB-DE4B-95CE-6DB70DBA9567}" type="datetimeFigureOut">
               <a:rPr lang="en-US" dirty="0"/>
               <a:pPr/>
-              <a:t>11/3/21</a:t>
+              <a:t>11/9/2021</a:t>
             </a:fld>
             <a:endParaRPr lang="en-US" dirty="0"/>
           </a:p>
@@ -874,7 +2029,7 @@
             <a:fld id="{B61BEF0D-F0BB-DE4B-95CE-6DB70DBA9567}" type="datetimeFigureOut">
               <a:rPr lang="en-US" dirty="0"/>
               <a:pPr/>
-              <a:t>11/3/21</a:t>
+              <a:t>11/9/2021</a:t>
             </a:fld>
             <a:endParaRPr lang="en-US" dirty="0"/>
           </a:p>
@@ -1340,7 +2495,7 @@
             <a:fld id="{B61BEF0D-F0BB-DE4B-95CE-6DB70DBA9567}" type="datetimeFigureOut">
               <a:rPr lang="en-US" dirty="0"/>
               <a:pPr/>
-              <a:t>11/3/21</a:t>
+              <a:t>11/9/2021</a:t>
             </a:fld>
             <a:endParaRPr lang="en-US" dirty="0"/>
           </a:p>
@@ -1517,7 +2672,7 @@
             <a:fld id="{B61BEF0D-F0BB-DE4B-95CE-6DB70DBA9567}" type="datetimeFigureOut">
               <a:rPr lang="en-US" dirty="0"/>
               <a:pPr/>
-              <a:t>11/3/21</a:t>
+              <a:t>11/9/2021</a:t>
             </a:fld>
             <a:endParaRPr lang="en-US" dirty="0"/>
           </a:p>
@@ -2090,7 +3245,7 @@
             <a:fld id="{B61BEF0D-F0BB-DE4B-95CE-6DB70DBA9567}" type="datetimeFigureOut">
               <a:rPr lang="en-US" dirty="0"/>
               <a:pPr/>
-              <a:t>11/3/21</a:t>
+              <a:t>11/9/2021</a:t>
             </a:fld>
             <a:endParaRPr lang="en-US" dirty="0"/>
           </a:p>
@@ -2419,7 +3574,7 @@
             <a:fld id="{B61BEF0D-F0BB-DE4B-95CE-6DB70DBA9567}" type="datetimeFigureOut">
               <a:rPr lang="en-US" dirty="0"/>
               <a:pPr/>
-              <a:t>11/3/21</a:t>
+              <a:t>11/9/2021</a:t>
             </a:fld>
             <a:endParaRPr lang="en-US" dirty="0"/>
           </a:p>
@@ -2591,7 +3746,7 @@
             <a:fld id="{B61BEF0D-F0BB-DE4B-95CE-6DB70DBA9567}" type="datetimeFigureOut">
               <a:rPr lang="en-US" dirty="0"/>
               <a:pPr/>
-              <a:t>11/3/21</a:t>
+              <a:t>11/9/2021</a:t>
             </a:fld>
             <a:endParaRPr lang="en-US" dirty="0"/>
           </a:p>
@@ -2768,7 +3923,7 @@
             <a:fld id="{B61BEF0D-F0BB-DE4B-95CE-6DB70DBA9567}" type="datetimeFigureOut">
               <a:rPr lang="en-US" dirty="0"/>
               <a:pPr/>
-              <a:t>11/3/21</a:t>
+              <a:t>11/9/2021</a:t>
             </a:fld>
             <a:endParaRPr lang="en-US" dirty="0"/>
           </a:p>
@@ -2935,7 +4090,7 @@
             <a:fld id="{B61BEF0D-F0BB-DE4B-95CE-6DB70DBA9567}" type="datetimeFigureOut">
               <a:rPr lang="en-US" dirty="0"/>
               <a:pPr/>
-              <a:t>11/3/21</a:t>
+              <a:t>11/9/2021</a:t>
             </a:fld>
             <a:endParaRPr lang="en-US" dirty="0"/>
           </a:p>
@@ -3189,7 +4344,7 @@
             <a:fld id="{B61BEF0D-F0BB-DE4B-95CE-6DB70DBA9567}" type="datetimeFigureOut">
               <a:rPr lang="en-US" dirty="0"/>
               <a:pPr/>
-              <a:t>11/3/21</a:t>
+              <a:t>11/9/2021</a:t>
             </a:fld>
             <a:endParaRPr lang="en-US" dirty="0"/>
           </a:p>
@@ -3478,7 +4633,7 @@
             <a:fld id="{B61BEF0D-F0BB-DE4B-95CE-6DB70DBA9567}" type="datetimeFigureOut">
               <a:rPr lang="en-US" dirty="0"/>
               <a:pPr/>
-              <a:t>11/3/21</a:t>
+              <a:t>11/9/2021</a:t>
             </a:fld>
             <a:endParaRPr lang="en-US" dirty="0"/>
           </a:p>
@@ -3905,7 +5060,7 @@
             <a:fld id="{B61BEF0D-F0BB-DE4B-95CE-6DB70DBA9567}" type="datetimeFigureOut">
               <a:rPr lang="en-US" dirty="0"/>
               <a:pPr/>
-              <a:t>11/3/21</a:t>
+              <a:t>11/9/2021</a:t>
             </a:fld>
             <a:endParaRPr lang="en-US" dirty="0"/>
           </a:p>
@@ -4020,7 +5175,7 @@
             <a:fld id="{B61BEF0D-F0BB-DE4B-95CE-6DB70DBA9567}" type="datetimeFigureOut">
               <a:rPr lang="en-US" dirty="0"/>
               <a:pPr/>
-              <a:t>11/3/21</a:t>
+              <a:t>11/9/2021</a:t>
             </a:fld>
             <a:endParaRPr lang="en-US" dirty="0"/>
           </a:p>
@@ -4112,7 +5267,7 @@
             <a:fld id="{B61BEF0D-F0BB-DE4B-95CE-6DB70DBA9567}" type="datetimeFigureOut">
               <a:rPr lang="en-US" dirty="0"/>
               <a:pPr/>
-              <a:t>11/3/21</a:t>
+              <a:t>11/9/2021</a:t>
             </a:fld>
             <a:endParaRPr lang="en-US" dirty="0"/>
           </a:p>
@@ -4392,7 +5547,7 @@
             <a:fld id="{B61BEF0D-F0BB-DE4B-95CE-6DB70DBA9567}" type="datetimeFigureOut">
               <a:rPr lang="en-US" dirty="0"/>
               <a:pPr/>
-              <a:t>11/3/21</a:t>
+              <a:t>11/9/2021</a:t>
             </a:fld>
             <a:endParaRPr lang="en-US" dirty="0"/>
           </a:p>
@@ -4680,7 +5835,7 @@
             <a:fld id="{B61BEF0D-F0BB-DE4B-95CE-6DB70DBA9567}" type="datetimeFigureOut">
               <a:rPr lang="en-US" dirty="0"/>
               <a:pPr/>
-              <a:t>11/3/21</a:t>
+              <a:t>11/9/2021</a:t>
             </a:fld>
             <a:endParaRPr lang="en-US" dirty="0"/>
           </a:p>
@@ -4908,7 +6063,7 @@
             <a:fld id="{B61BEF0D-F0BB-DE4B-95CE-6DB70DBA9567}" type="datetimeFigureOut">
               <a:rPr lang="en-US" dirty="0"/>
               <a:pPr/>
-              <a:t>11/3/21</a:t>
+              <a:t>11/9/2021</a:t>
             </a:fld>
             <a:endParaRPr lang="en-US" dirty="0"/>
           </a:p>
@@ -5761,6 +6916,1365 @@
       </p:grpSpPr>
       <p:sp>
         <p:nvSpPr>
+          <p:cNvPr id="2" name="Unvan 1"/>
+          <p:cNvSpPr>
+            <a:spLocks noGrp="1"/>
+          </p:cNvSpPr>
+          <p:nvPr>
+            <p:ph type="title"/>
+          </p:nvPr>
+        </p:nvSpPr>
+        <p:spPr>
+          <a:xfrm>
+            <a:off x="461535" y="11723"/>
+            <a:ext cx="9905998" cy="1905000"/>
+          </a:xfrm>
+        </p:spPr>
+        <p:txBody>
+          <a:bodyPr/>
+          <a:lstStyle/>
+          <a:p>
+            <a:r>
+              <a:rPr lang="tr-TR" dirty="0">
+                <a:effectLst/>
+              </a:rPr>
+              <a:t>8. İkincil Hareket</a:t>
+            </a:r>
+            <a:endParaRPr lang="tr-TR" dirty="0"/>
+          </a:p>
+        </p:txBody>
+      </p:sp>
+      <p:sp>
+        <p:nvSpPr>
+          <p:cNvPr id="3" name="İçerik Yer Tutucusu 2"/>
+          <p:cNvSpPr>
+            <a:spLocks noGrp="1"/>
+          </p:cNvSpPr>
+          <p:nvPr>
+            <p:ph idx="1"/>
+          </p:nvPr>
+        </p:nvSpPr>
+        <p:spPr>
+          <a:xfrm>
+            <a:off x="7584221" y="1211666"/>
+            <a:ext cx="3722687" cy="2720853"/>
+          </a:xfrm>
+        </p:spPr>
+        <p:txBody>
+          <a:bodyPr/>
+          <a:lstStyle/>
+          <a:p>
+            <a:r>
+              <a:rPr lang="tr-TR" sz="2400" dirty="0">
+                <a:effectLst/>
+              </a:rPr>
+              <a:t>Karakterin ana hareketlerini kurgularken o anki duygu durumunu veren ya da anlattığı konuyu</a:t>
+            </a:r>
+            <a:endParaRPr lang="tr-TR" sz="2400" dirty="0"/>
+          </a:p>
+        </p:txBody>
+      </p:sp>
+      <p:pic>
+        <p:nvPicPr>
+          <p:cNvPr id="1026" name="Picture 2" descr="https://3.bp.blogspot.com/-WWLbbXGGiQs/VTwE4SrLsnI/AAAAAAAACsw/hLKUI5Et4nA/s1600/ikinci%2Bhareket%2Banimasyon%2Bt%C3%BCr%C3%BC.png"/>
+          <p:cNvPicPr>
+            <a:picLocks noChangeAspect="1" noChangeArrowheads="1"/>
+          </p:cNvPicPr>
+          <p:nvPr/>
+        </p:nvPicPr>
+        <p:blipFill>
+          <a:blip r:embed="rId3">
+            <a:extLst>
+              <a:ext uri="{28A0092B-C50C-407E-A947-70E740481C1C}">
+                <a14:useLocalDpi xmlns:a14="http://schemas.microsoft.com/office/drawing/2010/main" val="0"/>
+              </a:ext>
+            </a:extLst>
+          </a:blip>
+          <a:srcRect/>
+          <a:stretch>
+            <a:fillRect/>
+          </a:stretch>
+        </p:blipFill>
+        <p:spPr bwMode="auto">
+          <a:xfrm>
+            <a:off x="461535" y="1576020"/>
+            <a:ext cx="7143750" cy="2257426"/>
+          </a:xfrm>
+          <a:prstGeom prst="rect">
+            <a:avLst/>
+          </a:prstGeom>
+          <a:noFill/>
+          <a:extLst>
+            <a:ext uri="{909E8E84-426E-40DD-AFC4-6F175D3DCCD1}">
+              <a14:hiddenFill xmlns:a14="http://schemas.microsoft.com/office/drawing/2010/main">
+                <a:solidFill>
+                  <a:srgbClr val="FFFFFF"/>
+                </a:solidFill>
+              </a14:hiddenFill>
+            </a:ext>
+          </a:extLst>
+        </p:spPr>
+      </p:pic>
+      <p:sp>
+        <p:nvSpPr>
+          <p:cNvPr id="4" name="Metin kutusu 3"/>
+          <p:cNvSpPr txBox="1"/>
+          <p:nvPr/>
+        </p:nvSpPr>
+        <p:spPr>
+          <a:xfrm>
+            <a:off x="366362" y="4031592"/>
+            <a:ext cx="11512045" cy="2308324"/>
+          </a:xfrm>
+          <a:prstGeom prst="rect">
+            <a:avLst/>
+          </a:prstGeom>
+          <a:noFill/>
+        </p:spPr>
+        <p:txBody>
+          <a:bodyPr wrap="square" rtlCol="0">
+            <a:spAutoFit/>
+          </a:bodyPr>
+          <a:lstStyle/>
+          <a:p>
+            <a:r>
+              <a:rPr lang="tr-TR" sz="2400" dirty="0"/>
+              <a:t>destekleyen hareketlere ikincil hareketler denir. Hasta bir karakterin konuşurken cebinden mendil çıkarıp burnunu silmesi, yorgun karakterin alnındaki teri silmesi ya da bir karakterin düşmeye başlayan gözlüğünü düzeltmesi bu tarz ikincil hareketlerdir. İkincil hareket vermek karakterin yaşayan, gerçek bir karakter olduğu hissini arttırır.</a:t>
+            </a:r>
+            <a:r>
+              <a:rPr lang="tr-TR" sz="2400" dirty="0"/>
+              <a:t/>
+            </a:r>
+            <a:br>
+              <a:rPr lang="tr-TR" sz="2400" dirty="0"/>
+            </a:br>
+            <a:endParaRPr lang="tr-TR" sz="2400" dirty="0"/>
+          </a:p>
+        </p:txBody>
+      </p:sp>
+      <p:sp>
+        <p:nvSpPr>
+          <p:cNvPr id="5" name="Metin kutusu 4">
+            <a:hlinkClick r:id="rId4"/>
+          </p:cNvPr>
+          <p:cNvSpPr txBox="1"/>
+          <p:nvPr/>
+        </p:nvSpPr>
+        <p:spPr>
+          <a:xfrm>
+            <a:off x="9170377" y="5970584"/>
+            <a:ext cx="723275" cy="369332"/>
+          </a:xfrm>
+          <a:prstGeom prst="rect">
+            <a:avLst/>
+          </a:prstGeom>
+          <a:noFill/>
+        </p:spPr>
+        <p:txBody>
+          <a:bodyPr wrap="none" rtlCol="0">
+            <a:spAutoFit/>
+          </a:bodyPr>
+          <a:lstStyle/>
+          <a:p>
+            <a:r>
+              <a:rPr lang="tr-TR" dirty="0" smtClean="0"/>
+              <a:t>BOLT</a:t>
+            </a:r>
+            <a:endParaRPr lang="tr-TR" dirty="0"/>
+          </a:p>
+        </p:txBody>
+      </p:sp>
+    </p:spTree>
+    <p:extLst>
+      <p:ext uri="{BB962C8B-B14F-4D97-AF65-F5344CB8AC3E}">
+        <p14:creationId xmlns:p14="http://schemas.microsoft.com/office/powerpoint/2010/main" val="773484101"/>
+      </p:ext>
+    </p:extLst>
+  </p:cSld>
+  <p:clrMapOvr>
+    <a:masterClrMapping/>
+  </p:clrMapOvr>
+  <p:timing>
+    <p:tnLst>
+      <p:par>
+        <p:cTn id="1" dur="indefinite" restart="never" nodeType="tmRoot"/>
+      </p:par>
+    </p:tnLst>
+  </p:timing>
+</p:sld>
+</file>
+
+<file path=ppt/slides/slide11.xml><?xml version="1.0" encoding="utf-8"?>
+<p:sld xmlns:a="http://schemas.openxmlformats.org/drawingml/2006/main" xmlns:r="http://schemas.openxmlformats.org/officeDocument/2006/relationships" xmlns:p="http://schemas.openxmlformats.org/presentationml/2006/main">
+  <p:cSld>
+    <p:spTree>
+      <p:nvGrpSpPr>
+        <p:cNvPr id="1" name=""/>
+        <p:cNvGrpSpPr/>
+        <p:nvPr/>
+      </p:nvGrpSpPr>
+      <p:grpSpPr>
+        <a:xfrm>
+          <a:off x="0" y="0"/>
+          <a:ext cx="0" cy="0"/>
+          <a:chOff x="0" y="0"/>
+          <a:chExt cx="0" cy="0"/>
+        </a:xfrm>
+      </p:grpSpPr>
+      <p:sp>
+        <p:nvSpPr>
+          <p:cNvPr id="2" name="Unvan 1"/>
+          <p:cNvSpPr>
+            <a:spLocks noGrp="1"/>
+          </p:cNvSpPr>
+          <p:nvPr>
+            <p:ph type="title"/>
+          </p:nvPr>
+        </p:nvSpPr>
+        <p:spPr>
+          <a:xfrm>
+            <a:off x="534744" y="20515"/>
+            <a:ext cx="9905998" cy="1905000"/>
+          </a:xfrm>
+        </p:spPr>
+        <p:txBody>
+          <a:bodyPr>
+            <a:normAutofit/>
+          </a:bodyPr>
+          <a:lstStyle/>
+          <a:p>
+            <a:r>
+              <a:rPr lang="tr-TR" sz="4000" dirty="0" smtClean="0"/>
+              <a:t>9.zAMANLAMA</a:t>
+            </a:r>
+            <a:endParaRPr lang="tr-TR" sz="4000" dirty="0"/>
+          </a:p>
+        </p:txBody>
+      </p:sp>
+      <p:pic>
+        <p:nvPicPr>
+          <p:cNvPr id="5" name="İçerik Yer Tutucusu 4"/>
+          <p:cNvPicPr>
+            <a:picLocks noGrp="1" noChangeAspect="1"/>
+          </p:cNvPicPr>
+          <p:nvPr>
+            <p:ph idx="1"/>
+          </p:nvPr>
+        </p:nvPicPr>
+        <p:blipFill>
+          <a:blip r:embed="rId3">
+            <a:extLst>
+              <a:ext uri="{28A0092B-C50C-407E-A947-70E740481C1C}">
+                <a14:useLocalDpi xmlns:a14="http://schemas.microsoft.com/office/drawing/2010/main" val="0"/>
+              </a:ext>
+            </a:extLst>
+          </a:blip>
+          <a:stretch>
+            <a:fillRect/>
+          </a:stretch>
+        </p:blipFill>
+        <p:spPr>
+          <a:xfrm>
+            <a:off x="5758961" y="2187225"/>
+            <a:ext cx="5960500" cy="3528646"/>
+          </a:xfrm>
+        </p:spPr>
+      </p:pic>
+      <p:sp>
+        <p:nvSpPr>
+          <p:cNvPr id="6" name="Metin kutusu 5"/>
+          <p:cNvSpPr txBox="1"/>
+          <p:nvPr/>
+        </p:nvSpPr>
+        <p:spPr>
+          <a:xfrm>
+            <a:off x="227013" y="1689391"/>
+            <a:ext cx="5285763" cy="4524315"/>
+          </a:xfrm>
+          <a:prstGeom prst="rect">
+            <a:avLst/>
+          </a:prstGeom>
+          <a:noFill/>
+        </p:spPr>
+        <p:txBody>
+          <a:bodyPr wrap="square" rtlCol="0">
+            <a:spAutoFit/>
+          </a:bodyPr>
+          <a:lstStyle/>
+          <a:p>
+            <a:pPr marL="285750" indent="-285750">
+              <a:lnSpc>
+                <a:spcPct val="150000"/>
+              </a:lnSpc>
+              <a:buFont typeface="Arial" panose="020B0604020202020204" pitchFamily="34" charset="0"/>
+              <a:buChar char="•"/>
+            </a:pPr>
+            <a:r>
+              <a:rPr lang="tr-TR" sz="1600" dirty="0"/>
+              <a:t>Animasyonu hazırlarken 1 saniyelik görüntü için 24-25 farklı çizim ihtiyaç vardır. Bir hareketi ne kadar çok kareyle gösterirsek hareket o kadar yumuşak ve akışkan olur ama doğal olarak süre de bu oranda artar</a:t>
+            </a:r>
+            <a:r>
+              <a:rPr lang="tr-TR" sz="1600" dirty="0" smtClean="0"/>
+              <a:t>. </a:t>
+            </a:r>
+            <a:r>
+              <a:rPr lang="tr-TR" sz="1600" dirty="0"/>
+              <a:t>Dolayısıyla hızlı olması gereken hareket daha az kareyle, yavaş olması gereken daha çok kareyle hazırlanmalıdır. </a:t>
+            </a:r>
+            <a:endParaRPr lang="tr-TR" sz="1600" dirty="0" smtClean="0"/>
+          </a:p>
+          <a:p>
+            <a:pPr marL="285750" indent="-285750">
+              <a:lnSpc>
+                <a:spcPct val="150000"/>
+              </a:lnSpc>
+              <a:buFont typeface="Arial" panose="020B0604020202020204" pitchFamily="34" charset="0"/>
+              <a:buChar char="•"/>
+            </a:pPr>
+            <a:endParaRPr lang="tr-TR" sz="1600" dirty="0" smtClean="0"/>
+          </a:p>
+          <a:p>
+            <a:pPr marL="285750" indent="-285750">
+              <a:lnSpc>
+                <a:spcPct val="150000"/>
+              </a:lnSpc>
+              <a:buFont typeface="Arial" panose="020B0604020202020204" pitchFamily="34" charset="0"/>
+              <a:buChar char="•"/>
+            </a:pPr>
+            <a:r>
+              <a:rPr lang="tr-TR" sz="1600" dirty="0" smtClean="0"/>
+              <a:t>Doğru </a:t>
+            </a:r>
+            <a:r>
+              <a:rPr lang="tr-TR" sz="1600" dirty="0"/>
+              <a:t>bir animasyon için her harekete tam olarak gerektiği kadar zaman vererek zamanlamayı doğru kurgulamak lazım. Ancak bu hareketin inandırıcı olmasını sağlayacaktır.</a:t>
+            </a:r>
+            <a:endParaRPr lang="tr-TR" sz="1600" dirty="0"/>
+          </a:p>
+        </p:txBody>
+      </p:sp>
+      <p:sp>
+        <p:nvSpPr>
+          <p:cNvPr id="7" name="Metin kutusu 6">
+            <a:hlinkClick r:id="rId4"/>
+          </p:cNvPr>
+          <p:cNvSpPr txBox="1"/>
+          <p:nvPr/>
+        </p:nvSpPr>
+        <p:spPr>
+          <a:xfrm>
+            <a:off x="5758961" y="6325550"/>
+            <a:ext cx="1422184" cy="369332"/>
+          </a:xfrm>
+          <a:prstGeom prst="rect">
+            <a:avLst/>
+          </a:prstGeom>
+          <a:noFill/>
+        </p:spPr>
+        <p:txBody>
+          <a:bodyPr wrap="none" rtlCol="0">
+            <a:spAutoFit/>
+          </a:bodyPr>
+          <a:lstStyle/>
+          <a:p>
+            <a:r>
+              <a:rPr lang="tr-TR" dirty="0" err="1" smtClean="0"/>
+              <a:t>Megamind</a:t>
+            </a:r>
+            <a:endParaRPr lang="tr-TR" dirty="0"/>
+          </a:p>
+        </p:txBody>
+      </p:sp>
+    </p:spTree>
+    <p:extLst>
+      <p:ext uri="{BB962C8B-B14F-4D97-AF65-F5344CB8AC3E}">
+        <p14:creationId xmlns:p14="http://schemas.microsoft.com/office/powerpoint/2010/main" val="1744556018"/>
+      </p:ext>
+    </p:extLst>
+  </p:cSld>
+  <p:clrMapOvr>
+    <a:masterClrMapping/>
+  </p:clrMapOvr>
+  <p:timing>
+    <p:tnLst>
+      <p:par>
+        <p:cTn id="1" dur="indefinite" restart="never" nodeType="tmRoot"/>
+      </p:par>
+    </p:tnLst>
+  </p:timing>
+</p:sld>
+</file>
+
+<file path=ppt/slides/slide12.xml><?xml version="1.0" encoding="utf-8"?>
+<p:sld xmlns:a="http://schemas.openxmlformats.org/drawingml/2006/main" xmlns:r="http://schemas.openxmlformats.org/officeDocument/2006/relationships" xmlns:p="http://schemas.openxmlformats.org/presentationml/2006/main">
+  <p:cSld>
+    <p:spTree>
+      <p:nvGrpSpPr>
+        <p:cNvPr id="1" name=""/>
+        <p:cNvGrpSpPr/>
+        <p:nvPr/>
+      </p:nvGrpSpPr>
+      <p:grpSpPr>
+        <a:xfrm>
+          <a:off x="0" y="0"/>
+          <a:ext cx="0" cy="0"/>
+          <a:chOff x="0" y="0"/>
+          <a:chExt cx="0" cy="0"/>
+        </a:xfrm>
+      </p:grpSpPr>
+      <p:sp>
+        <p:nvSpPr>
+          <p:cNvPr id="2" name="Unvan 1"/>
+          <p:cNvSpPr>
+            <a:spLocks noGrp="1"/>
+          </p:cNvSpPr>
+          <p:nvPr>
+            <p:ph type="title"/>
+          </p:nvPr>
+        </p:nvSpPr>
+        <p:spPr>
+          <a:xfrm>
+            <a:off x="1141413" y="2931"/>
+            <a:ext cx="9905998" cy="1905000"/>
+          </a:xfrm>
+        </p:spPr>
+        <p:txBody>
+          <a:bodyPr/>
+          <a:lstStyle/>
+          <a:p>
+            <a:r>
+              <a:rPr lang="tr-TR" dirty="0">
+                <a:effectLst/>
+              </a:rPr>
+              <a:t>10. Abartma</a:t>
+            </a:r>
+            <a:endParaRPr lang="tr-TR" dirty="0"/>
+          </a:p>
+        </p:txBody>
+      </p:sp>
+      <p:sp>
+        <p:nvSpPr>
+          <p:cNvPr id="3" name="İçerik Yer Tutucusu 2"/>
+          <p:cNvSpPr>
+            <a:spLocks noGrp="1"/>
+          </p:cNvSpPr>
+          <p:nvPr>
+            <p:ph idx="1"/>
+          </p:nvPr>
+        </p:nvSpPr>
+        <p:spPr>
+          <a:xfrm>
+            <a:off x="241799" y="4117245"/>
+            <a:ext cx="11481165" cy="2533894"/>
+          </a:xfrm>
+        </p:spPr>
+        <p:txBody>
+          <a:bodyPr/>
+          <a:lstStyle/>
+          <a:p>
+            <a:pPr marL="0" indent="0">
+              <a:lnSpc>
+                <a:spcPct val="150000"/>
+              </a:lnSpc>
+              <a:buNone/>
+            </a:pPr>
+            <a:r>
+              <a:rPr lang="tr-TR" dirty="0">
+                <a:effectLst/>
+              </a:rPr>
+              <a:t>s</a:t>
+            </a:r>
+            <a:r>
+              <a:rPr lang="tr-TR" dirty="0" smtClean="0">
+                <a:effectLst/>
+              </a:rPr>
+              <a:t>onradan </a:t>
+            </a:r>
+            <a:r>
+              <a:rPr lang="tr-TR" dirty="0">
+                <a:effectLst/>
+              </a:rPr>
+              <a:t>bu teknikten uzaklaşmış ve üretilen animasyonlarda animasyonu kendine has bir dille tasarlamışlar. Bu görsel dil abartılı vücut hareketleri ve mimikler içeren, verilmek istenen duygunun her yaştan seyirciye kolayca ulaşabildiği bir dildir. Günümüzde büyük bütçeli 3D sinema filmlerinde bile eski dönemlerin 2D karakterlerinin jest ve mimiklerini görmek mümkün. Bu durum animasyonun daha albenili olmasını sağlar.</a:t>
+            </a:r>
+            <a:endParaRPr lang="tr-TR" dirty="0"/>
+          </a:p>
+        </p:txBody>
+      </p:sp>
+      <p:pic>
+        <p:nvPicPr>
+          <p:cNvPr id="4098" name="Picture 2" descr="https://1.bp.blogspot.com/-fsAJ60htrhs/VTwFwKTCemI/AAAAAAAACtA/GDBeMIMRWKE/s1600/Abartma%2B(animasyonu).png"/>
+          <p:cNvPicPr>
+            <a:picLocks noChangeAspect="1" noChangeArrowheads="1"/>
+          </p:cNvPicPr>
+          <p:nvPr/>
+        </p:nvPicPr>
+        <p:blipFill>
+          <a:blip r:embed="rId3">
+            <a:extLst>
+              <a:ext uri="{28A0092B-C50C-407E-A947-70E740481C1C}">
+                <a14:useLocalDpi xmlns:a14="http://schemas.microsoft.com/office/drawing/2010/main" val="0"/>
+              </a:ext>
+            </a:extLst>
+          </a:blip>
+          <a:srcRect/>
+          <a:stretch>
+            <a:fillRect/>
+          </a:stretch>
+        </p:blipFill>
+        <p:spPr bwMode="auto">
+          <a:xfrm>
+            <a:off x="241799" y="1907931"/>
+            <a:ext cx="5156677" cy="2217371"/>
+          </a:xfrm>
+          <a:prstGeom prst="rect">
+            <a:avLst/>
+          </a:prstGeom>
+          <a:noFill/>
+          <a:extLst>
+            <a:ext uri="{909E8E84-426E-40DD-AFC4-6F175D3DCCD1}">
+              <a14:hiddenFill xmlns:a14="http://schemas.microsoft.com/office/drawing/2010/main">
+                <a:solidFill>
+                  <a:srgbClr val="FFFFFF"/>
+                </a:solidFill>
+              </a14:hiddenFill>
+            </a:ext>
+          </a:extLst>
+        </p:spPr>
+      </p:pic>
+      <p:sp>
+        <p:nvSpPr>
+          <p:cNvPr id="6" name="İçerik Yer Tutucusu 2"/>
+          <p:cNvSpPr txBox="1">
+            <a:spLocks/>
+          </p:cNvSpPr>
+          <p:nvPr/>
+        </p:nvSpPr>
+        <p:spPr>
+          <a:xfrm>
+            <a:off x="5644662" y="1662969"/>
+            <a:ext cx="5882053" cy="2533894"/>
+          </a:xfrm>
+          <a:prstGeom prst="rect">
+            <a:avLst/>
+          </a:prstGeom>
+        </p:spPr>
+        <p:txBody>
+          <a:bodyPr vert="horz" lIns="91440" tIns="45720" rIns="91440" bIns="45720" rtlCol="0" anchor="ctr">
+            <a:normAutofit/>
+          </a:bodyPr>
+          <a:lstStyle>
+            <a:lvl1pPr marL="285750" indent="-285750" algn="l" defTabSz="457200" rtl="0" eaLnBrk="1" latinLnBrk="0" hangingPunct="1">
+              <a:spcBef>
+                <a:spcPct val="20000"/>
+              </a:spcBef>
+              <a:spcAft>
+                <a:spcPts val="600"/>
+              </a:spcAft>
+              <a:buClr>
+                <a:schemeClr val="tx1"/>
+              </a:buClr>
+              <a:buSzPct val="100000"/>
+              <a:buFont typeface="Arial"/>
+              <a:buChar char="•"/>
+              <a:defRPr sz="2000" kern="1200" cap="small">
+                <a:gradFill flip="none" rotWithShape="1">
+                  <a:gsLst>
+                    <a:gs pos="0">
+                      <a:schemeClr val="tx1"/>
+                    </a:gs>
+                    <a:gs pos="100000">
+                      <a:schemeClr val="tx1">
+                        <a:lumMod val="75000"/>
+                      </a:schemeClr>
+                    </a:gs>
+                  </a:gsLst>
+                  <a:lin ang="5580000" scaled="0"/>
+                  <a:tileRect/>
+                </a:gradFill>
+                <a:effectLst>
+                  <a:glow rad="38100">
+                    <a:schemeClr val="bg1">
+                      <a:lumMod val="50000"/>
+                      <a:lumOff val="50000"/>
+                      <a:alpha val="20000"/>
+                    </a:schemeClr>
+                  </a:glow>
+                  <a:outerShdw blurRad="44450" dist="12700" dir="13860000" algn="tl" rotWithShape="0">
+                    <a:srgbClr val="000000">
+                      <a:alpha val="20000"/>
+                    </a:srgbClr>
+                  </a:outerShdw>
+                </a:effectLst>
+                <a:latin typeface="+mn-lt"/>
+                <a:ea typeface="+mn-ea"/>
+                <a:cs typeface="+mn-cs"/>
+              </a:defRPr>
+            </a:lvl1pPr>
+            <a:lvl2pPr marL="742950" indent="-285750" algn="l" defTabSz="457200" rtl="0" eaLnBrk="1" latinLnBrk="0" hangingPunct="1">
+              <a:spcBef>
+                <a:spcPct val="20000"/>
+              </a:spcBef>
+              <a:spcAft>
+                <a:spcPts val="600"/>
+              </a:spcAft>
+              <a:buClr>
+                <a:schemeClr val="tx1"/>
+              </a:buClr>
+              <a:buSzPct val="100000"/>
+              <a:buFont typeface="Arial"/>
+              <a:buChar char="•"/>
+              <a:defRPr sz="1800" kern="1200" cap="small">
+                <a:gradFill flip="none" rotWithShape="1">
+                  <a:gsLst>
+                    <a:gs pos="0">
+                      <a:schemeClr val="tx1"/>
+                    </a:gs>
+                    <a:gs pos="100000">
+                      <a:schemeClr val="tx1">
+                        <a:lumMod val="75000"/>
+                      </a:schemeClr>
+                    </a:gs>
+                  </a:gsLst>
+                  <a:lin ang="5580000" scaled="0"/>
+                  <a:tileRect/>
+                </a:gradFill>
+                <a:effectLst>
+                  <a:glow rad="38100">
+                    <a:schemeClr val="bg1">
+                      <a:lumMod val="50000"/>
+                      <a:lumOff val="50000"/>
+                      <a:alpha val="20000"/>
+                    </a:schemeClr>
+                  </a:glow>
+                  <a:outerShdw blurRad="44450" dist="12700" dir="13860000" algn="tl" rotWithShape="0">
+                    <a:srgbClr val="000000">
+                      <a:alpha val="20000"/>
+                    </a:srgbClr>
+                  </a:outerShdw>
+                </a:effectLst>
+                <a:latin typeface="+mn-lt"/>
+                <a:ea typeface="+mn-ea"/>
+                <a:cs typeface="+mn-cs"/>
+              </a:defRPr>
+            </a:lvl2pPr>
+            <a:lvl3pPr marL="1200150" indent="-285750" algn="l" defTabSz="457200" rtl="0" eaLnBrk="1" latinLnBrk="0" hangingPunct="1">
+              <a:spcBef>
+                <a:spcPct val="20000"/>
+              </a:spcBef>
+              <a:spcAft>
+                <a:spcPts val="600"/>
+              </a:spcAft>
+              <a:buClr>
+                <a:schemeClr val="tx1"/>
+              </a:buClr>
+              <a:buSzPct val="100000"/>
+              <a:buFont typeface="Arial"/>
+              <a:buChar char="•"/>
+              <a:defRPr sz="1600" kern="1200" cap="small">
+                <a:gradFill flip="none" rotWithShape="1">
+                  <a:gsLst>
+                    <a:gs pos="0">
+                      <a:schemeClr val="tx1"/>
+                    </a:gs>
+                    <a:gs pos="100000">
+                      <a:schemeClr val="tx1">
+                        <a:lumMod val="75000"/>
+                      </a:schemeClr>
+                    </a:gs>
+                  </a:gsLst>
+                  <a:lin ang="5580000" scaled="0"/>
+                  <a:tileRect/>
+                </a:gradFill>
+                <a:effectLst>
+                  <a:glow rad="38100">
+                    <a:schemeClr val="bg1">
+                      <a:lumMod val="50000"/>
+                      <a:lumOff val="50000"/>
+                      <a:alpha val="20000"/>
+                    </a:schemeClr>
+                  </a:glow>
+                  <a:outerShdw blurRad="44450" dist="12700" dir="13860000" algn="tl" rotWithShape="0">
+                    <a:srgbClr val="000000">
+                      <a:alpha val="20000"/>
+                    </a:srgbClr>
+                  </a:outerShdw>
+                </a:effectLst>
+                <a:latin typeface="+mn-lt"/>
+                <a:ea typeface="+mn-ea"/>
+                <a:cs typeface="+mn-cs"/>
+              </a:defRPr>
+            </a:lvl3pPr>
+            <a:lvl4pPr marL="1543050" indent="-171450" algn="l" defTabSz="457200" rtl="0" eaLnBrk="1" latinLnBrk="0" hangingPunct="1">
+              <a:spcBef>
+                <a:spcPct val="20000"/>
+              </a:spcBef>
+              <a:spcAft>
+                <a:spcPts val="600"/>
+              </a:spcAft>
+              <a:buClr>
+                <a:schemeClr val="tx1"/>
+              </a:buClr>
+              <a:buSzPct val="100000"/>
+              <a:buFont typeface="Arial"/>
+              <a:buChar char="•"/>
+              <a:defRPr sz="1400" kern="1200" cap="small">
+                <a:gradFill flip="none" rotWithShape="1">
+                  <a:gsLst>
+                    <a:gs pos="0">
+                      <a:schemeClr val="tx1"/>
+                    </a:gs>
+                    <a:gs pos="100000">
+                      <a:schemeClr val="tx1">
+                        <a:lumMod val="75000"/>
+                      </a:schemeClr>
+                    </a:gs>
+                  </a:gsLst>
+                  <a:lin ang="5580000" scaled="0"/>
+                  <a:tileRect/>
+                </a:gradFill>
+                <a:effectLst>
+                  <a:glow rad="38100">
+                    <a:schemeClr val="bg1">
+                      <a:lumMod val="50000"/>
+                      <a:lumOff val="50000"/>
+                      <a:alpha val="20000"/>
+                    </a:schemeClr>
+                  </a:glow>
+                  <a:outerShdw blurRad="44450" dist="12700" dir="13860000" algn="tl" rotWithShape="0">
+                    <a:srgbClr val="000000">
+                      <a:alpha val="20000"/>
+                    </a:srgbClr>
+                  </a:outerShdw>
+                </a:effectLst>
+                <a:latin typeface="+mn-lt"/>
+                <a:ea typeface="+mn-ea"/>
+                <a:cs typeface="+mn-cs"/>
+              </a:defRPr>
+            </a:lvl4pPr>
+            <a:lvl5pPr marL="2000250" indent="-171450" algn="l" defTabSz="457200" rtl="0" eaLnBrk="1" latinLnBrk="0" hangingPunct="1">
+              <a:spcBef>
+                <a:spcPct val="20000"/>
+              </a:spcBef>
+              <a:spcAft>
+                <a:spcPts val="600"/>
+              </a:spcAft>
+              <a:buClr>
+                <a:schemeClr val="tx1"/>
+              </a:buClr>
+              <a:buSzPct val="100000"/>
+              <a:buFont typeface="Arial"/>
+              <a:buChar char="•"/>
+              <a:defRPr sz="1400" kern="1200" cap="small">
+                <a:gradFill flip="none" rotWithShape="1">
+                  <a:gsLst>
+                    <a:gs pos="0">
+                      <a:schemeClr val="tx1"/>
+                    </a:gs>
+                    <a:gs pos="100000">
+                      <a:schemeClr val="tx1">
+                        <a:lumMod val="75000"/>
+                      </a:schemeClr>
+                    </a:gs>
+                  </a:gsLst>
+                  <a:lin ang="5580000" scaled="0"/>
+                  <a:tileRect/>
+                </a:gradFill>
+                <a:effectLst>
+                  <a:glow rad="38100">
+                    <a:schemeClr val="bg1">
+                      <a:lumMod val="50000"/>
+                      <a:lumOff val="50000"/>
+                      <a:alpha val="20000"/>
+                    </a:schemeClr>
+                  </a:glow>
+                  <a:outerShdw blurRad="44450" dist="12700" dir="13860000" algn="tl" rotWithShape="0">
+                    <a:srgbClr val="000000">
+                      <a:alpha val="20000"/>
+                    </a:srgbClr>
+                  </a:outerShdw>
+                </a:effectLst>
+                <a:latin typeface="+mn-lt"/>
+                <a:ea typeface="+mn-ea"/>
+                <a:cs typeface="+mn-cs"/>
+              </a:defRPr>
+            </a:lvl5pPr>
+            <a:lvl6pPr marL="2514600" indent="-228600" algn="l" defTabSz="457200" rtl="0" eaLnBrk="1" latinLnBrk="0" hangingPunct="1">
+              <a:spcBef>
+                <a:spcPct val="20000"/>
+              </a:spcBef>
+              <a:spcAft>
+                <a:spcPts val="600"/>
+              </a:spcAft>
+              <a:buClr>
+                <a:schemeClr val="tx1"/>
+              </a:buClr>
+              <a:buSzPct val="100000"/>
+              <a:buFont typeface="Arial"/>
+              <a:buChar char="•"/>
+              <a:defRPr sz="1200" kern="1200" cap="small">
+                <a:gradFill flip="none" rotWithShape="1">
+                  <a:gsLst>
+                    <a:gs pos="0">
+                      <a:schemeClr val="tx1"/>
+                    </a:gs>
+                    <a:gs pos="100000">
+                      <a:schemeClr val="tx1">
+                        <a:lumMod val="75000"/>
+                      </a:schemeClr>
+                    </a:gs>
+                  </a:gsLst>
+                  <a:lin ang="5580000" scaled="0"/>
+                  <a:tileRect/>
+                </a:gradFill>
+                <a:effectLst>
+                  <a:glow rad="38100">
+                    <a:schemeClr val="bg1">
+                      <a:lumMod val="50000"/>
+                      <a:lumOff val="50000"/>
+                      <a:alpha val="20000"/>
+                    </a:schemeClr>
+                  </a:glow>
+                  <a:outerShdw blurRad="44450" dist="12700" dir="13860000" algn="tl" rotWithShape="0">
+                    <a:srgbClr val="000000">
+                      <a:alpha val="20000"/>
+                    </a:srgbClr>
+                  </a:outerShdw>
+                </a:effectLst>
+                <a:latin typeface="+mn-lt"/>
+                <a:ea typeface="+mn-ea"/>
+                <a:cs typeface="+mn-cs"/>
+              </a:defRPr>
+            </a:lvl6pPr>
+            <a:lvl7pPr marL="2971800" indent="-228600" algn="l" defTabSz="457200" rtl="0" eaLnBrk="1" latinLnBrk="0" hangingPunct="1">
+              <a:spcBef>
+                <a:spcPct val="20000"/>
+              </a:spcBef>
+              <a:spcAft>
+                <a:spcPts val="600"/>
+              </a:spcAft>
+              <a:buClr>
+                <a:schemeClr val="tx1"/>
+              </a:buClr>
+              <a:buSzPct val="100000"/>
+              <a:buFont typeface="Arial"/>
+              <a:buChar char="•"/>
+              <a:defRPr sz="1200" kern="1200" cap="small">
+                <a:gradFill flip="none" rotWithShape="1">
+                  <a:gsLst>
+                    <a:gs pos="0">
+                      <a:schemeClr val="tx1"/>
+                    </a:gs>
+                    <a:gs pos="100000">
+                      <a:schemeClr val="tx1">
+                        <a:lumMod val="75000"/>
+                      </a:schemeClr>
+                    </a:gs>
+                  </a:gsLst>
+                  <a:lin ang="5580000" scaled="0"/>
+                  <a:tileRect/>
+                </a:gradFill>
+                <a:effectLst>
+                  <a:glow rad="38100">
+                    <a:schemeClr val="bg1">
+                      <a:lumMod val="50000"/>
+                      <a:lumOff val="50000"/>
+                      <a:alpha val="20000"/>
+                    </a:schemeClr>
+                  </a:glow>
+                  <a:outerShdw blurRad="44450" dist="12700" dir="13860000" algn="tl" rotWithShape="0">
+                    <a:srgbClr val="000000">
+                      <a:alpha val="20000"/>
+                    </a:srgbClr>
+                  </a:outerShdw>
+                </a:effectLst>
+                <a:latin typeface="+mn-lt"/>
+                <a:ea typeface="+mn-ea"/>
+                <a:cs typeface="+mn-cs"/>
+              </a:defRPr>
+            </a:lvl7pPr>
+            <a:lvl8pPr marL="3429000" indent="-228600" algn="l" defTabSz="457200" rtl="0" eaLnBrk="1" latinLnBrk="0" hangingPunct="1">
+              <a:spcBef>
+                <a:spcPct val="20000"/>
+              </a:spcBef>
+              <a:spcAft>
+                <a:spcPts val="600"/>
+              </a:spcAft>
+              <a:buClr>
+                <a:schemeClr val="tx1"/>
+              </a:buClr>
+              <a:buSzPct val="100000"/>
+              <a:buFont typeface="Arial"/>
+              <a:buChar char="•"/>
+              <a:defRPr sz="1200" kern="1200" cap="small">
+                <a:gradFill flip="none" rotWithShape="1">
+                  <a:gsLst>
+                    <a:gs pos="0">
+                      <a:schemeClr val="tx1"/>
+                    </a:gs>
+                    <a:gs pos="100000">
+                      <a:schemeClr val="tx1">
+                        <a:lumMod val="75000"/>
+                      </a:schemeClr>
+                    </a:gs>
+                  </a:gsLst>
+                  <a:lin ang="5580000" scaled="0"/>
+                  <a:tileRect/>
+                </a:gradFill>
+                <a:effectLst>
+                  <a:glow rad="38100">
+                    <a:schemeClr val="bg1">
+                      <a:lumMod val="50000"/>
+                      <a:lumOff val="50000"/>
+                      <a:alpha val="20000"/>
+                    </a:schemeClr>
+                  </a:glow>
+                  <a:outerShdw blurRad="44450" dist="12700" dir="13860000" algn="tl" rotWithShape="0">
+                    <a:srgbClr val="000000">
+                      <a:alpha val="20000"/>
+                    </a:srgbClr>
+                  </a:outerShdw>
+                </a:effectLst>
+                <a:latin typeface="+mn-lt"/>
+                <a:ea typeface="+mn-ea"/>
+                <a:cs typeface="+mn-cs"/>
+              </a:defRPr>
+            </a:lvl8pPr>
+            <a:lvl9pPr marL="3886200" indent="-228600" algn="l" defTabSz="457200" rtl="0" eaLnBrk="1" latinLnBrk="0" hangingPunct="1">
+              <a:spcBef>
+                <a:spcPct val="20000"/>
+              </a:spcBef>
+              <a:spcAft>
+                <a:spcPts val="600"/>
+              </a:spcAft>
+              <a:buClr>
+                <a:schemeClr val="tx1"/>
+              </a:buClr>
+              <a:buSzPct val="100000"/>
+              <a:buFont typeface="Arial"/>
+              <a:buChar char="•"/>
+              <a:defRPr sz="1200" kern="1200" cap="small">
+                <a:gradFill flip="none" rotWithShape="1">
+                  <a:gsLst>
+                    <a:gs pos="0">
+                      <a:schemeClr val="tx1"/>
+                    </a:gs>
+                    <a:gs pos="100000">
+                      <a:schemeClr val="tx1">
+                        <a:lumMod val="75000"/>
+                      </a:schemeClr>
+                    </a:gs>
+                  </a:gsLst>
+                  <a:lin ang="5580000" scaled="0"/>
+                  <a:tileRect/>
+                </a:gradFill>
+                <a:effectLst>
+                  <a:glow rad="38100">
+                    <a:schemeClr val="bg1">
+                      <a:lumMod val="50000"/>
+                      <a:lumOff val="50000"/>
+                      <a:alpha val="20000"/>
+                    </a:schemeClr>
+                  </a:glow>
+                  <a:outerShdw blurRad="44450" dist="12700" dir="13860000" algn="tl" rotWithShape="0">
+                    <a:srgbClr val="000000">
+                      <a:alpha val="20000"/>
+                    </a:srgbClr>
+                  </a:outerShdw>
+                </a:effectLst>
+                <a:latin typeface="+mn-lt"/>
+                <a:ea typeface="+mn-ea"/>
+                <a:cs typeface="+mn-cs"/>
+              </a:defRPr>
+            </a:lvl9pPr>
+          </a:lstStyle>
+          <a:p>
+            <a:pPr>
+              <a:lnSpc>
+                <a:spcPct val="150000"/>
+              </a:lnSpc>
+            </a:pPr>
+            <a:r>
+              <a:rPr lang="tr-TR" dirty="0" smtClean="0">
+                <a:effectLst/>
+              </a:rPr>
+              <a:t>Çizgi filmlerin yeni yeni popüler olmaya başladığı yıllarda </a:t>
+            </a:r>
+            <a:r>
+              <a:rPr lang="tr-TR" dirty="0" err="1" smtClean="0">
+                <a:effectLst/>
+              </a:rPr>
+              <a:t>rotoskop</a:t>
+            </a:r>
+            <a:r>
+              <a:rPr lang="tr-TR" dirty="0" smtClean="0">
+                <a:effectLst/>
+              </a:rPr>
+              <a:t> tekniğiyle gerçek görüntülerin üzerinden çizim yaparak animasyon üretmişler ama bu teknik o kadar mekanik sonuçlar vermiş ki </a:t>
+            </a:r>
+            <a:endParaRPr lang="tr-TR" dirty="0"/>
+          </a:p>
+        </p:txBody>
+      </p:sp>
+      <p:sp>
+        <p:nvSpPr>
+          <p:cNvPr id="5" name="Metin kutusu 4">
+            <a:hlinkClick r:id="rId4"/>
+          </p:cNvPr>
+          <p:cNvSpPr txBox="1"/>
+          <p:nvPr/>
+        </p:nvSpPr>
+        <p:spPr>
+          <a:xfrm>
+            <a:off x="6532685" y="6374396"/>
+            <a:ext cx="1410964" cy="369332"/>
+          </a:xfrm>
+          <a:prstGeom prst="rect">
+            <a:avLst/>
+          </a:prstGeom>
+          <a:noFill/>
+        </p:spPr>
+        <p:txBody>
+          <a:bodyPr wrap="none" rtlCol="0">
+            <a:spAutoFit/>
+          </a:bodyPr>
+          <a:lstStyle/>
+          <a:p>
+            <a:r>
+              <a:rPr lang="tr-TR" dirty="0" err="1" smtClean="0"/>
+              <a:t>Tom</a:t>
+            </a:r>
+            <a:r>
+              <a:rPr lang="tr-TR" dirty="0" smtClean="0"/>
+              <a:t> &amp; </a:t>
+            </a:r>
+            <a:r>
+              <a:rPr lang="tr-TR" dirty="0" err="1" smtClean="0"/>
+              <a:t>jerry</a:t>
+            </a:r>
+            <a:endParaRPr lang="tr-TR" dirty="0"/>
+          </a:p>
+        </p:txBody>
+      </p:sp>
+    </p:spTree>
+    <p:extLst>
+      <p:ext uri="{BB962C8B-B14F-4D97-AF65-F5344CB8AC3E}">
+        <p14:creationId xmlns:p14="http://schemas.microsoft.com/office/powerpoint/2010/main" val="1448614799"/>
+      </p:ext>
+    </p:extLst>
+  </p:cSld>
+  <p:clrMapOvr>
+    <a:masterClrMapping/>
+  </p:clrMapOvr>
+  <p:timing>
+    <p:tnLst>
+      <p:par>
+        <p:cTn id="1" dur="indefinite" restart="never" nodeType="tmRoot"/>
+      </p:par>
+    </p:tnLst>
+  </p:timing>
+</p:sld>
+</file>
+
+<file path=ppt/slides/slide13.xml><?xml version="1.0" encoding="utf-8"?>
+<p:sld xmlns:a="http://schemas.openxmlformats.org/drawingml/2006/main" xmlns:r="http://schemas.openxmlformats.org/officeDocument/2006/relationships" xmlns:p="http://schemas.openxmlformats.org/presentationml/2006/main">
+  <p:cSld>
+    <p:spTree>
+      <p:nvGrpSpPr>
+        <p:cNvPr id="1" name=""/>
+        <p:cNvGrpSpPr/>
+        <p:nvPr/>
+      </p:nvGrpSpPr>
+      <p:grpSpPr>
+        <a:xfrm>
+          <a:off x="0" y="0"/>
+          <a:ext cx="0" cy="0"/>
+          <a:chOff x="0" y="0"/>
+          <a:chExt cx="0" cy="0"/>
+        </a:xfrm>
+      </p:grpSpPr>
+      <p:sp>
+        <p:nvSpPr>
+          <p:cNvPr id="2" name="Unvan 1"/>
+          <p:cNvSpPr>
+            <a:spLocks noGrp="1"/>
+          </p:cNvSpPr>
+          <p:nvPr>
+            <p:ph type="title"/>
+          </p:nvPr>
+        </p:nvSpPr>
+        <p:spPr>
+          <a:xfrm>
+            <a:off x="785783" y="300342"/>
+            <a:ext cx="9905998" cy="1905000"/>
+          </a:xfrm>
+        </p:spPr>
+        <p:txBody>
+          <a:bodyPr/>
+          <a:lstStyle/>
+          <a:p>
+            <a:r>
+              <a:rPr lang="tr-TR" dirty="0">
+                <a:effectLst/>
+              </a:rPr>
+              <a:t>11. </a:t>
+            </a:r>
+            <a:r>
+              <a:rPr lang="tr-TR" dirty="0" smtClean="0">
+                <a:effectLst/>
+              </a:rPr>
+              <a:t>Boyutlu </a:t>
+            </a:r>
+            <a:r>
+              <a:rPr lang="tr-TR" dirty="0">
+                <a:effectLst/>
+              </a:rPr>
+              <a:t>Çizim</a:t>
+            </a:r>
+            <a:endParaRPr lang="tr-TR" dirty="0"/>
+          </a:p>
+        </p:txBody>
+      </p:sp>
+      <p:sp>
+        <p:nvSpPr>
+          <p:cNvPr id="3" name="İçerik Yer Tutucusu 2"/>
+          <p:cNvSpPr>
+            <a:spLocks noGrp="1"/>
+          </p:cNvSpPr>
+          <p:nvPr>
+            <p:ph idx="1"/>
+          </p:nvPr>
+        </p:nvSpPr>
+        <p:spPr>
+          <a:xfrm>
+            <a:off x="5301760" y="1974117"/>
+            <a:ext cx="6479932" cy="4028953"/>
+          </a:xfrm>
+        </p:spPr>
+        <p:txBody>
+          <a:bodyPr>
+            <a:normAutofit/>
+          </a:bodyPr>
+          <a:lstStyle/>
+          <a:p>
+            <a:pPr marL="0" indent="0">
+              <a:lnSpc>
+                <a:spcPct val="150000"/>
+              </a:lnSpc>
+              <a:buNone/>
+            </a:pPr>
+            <a:r>
+              <a:rPr lang="tr-TR" dirty="0">
+                <a:effectLst/>
+              </a:rPr>
+              <a:t>Karakterleri ve objeleri oluştururken, her ne kadar 2 boyutlu animasyon yapıyor olsak da hacimli ve derinlikli hayal etmeli ve öyle kurgulamalıyız. Eğer bir karakter kafasını çevirip, vücudunu döndüremiyorsa cazibesini yitirecektir. Karagöz gibi algılanacaktır. Ama yaşayan, duyguları olan, gerçek tepkiler veriyormuş gibi görünen boyutlu bir karakter her zaman daha etkili olacaktır.</a:t>
+            </a:r>
+            <a:endParaRPr lang="tr-TR" dirty="0"/>
+          </a:p>
+        </p:txBody>
+      </p:sp>
+      <p:sp>
+        <p:nvSpPr>
+          <p:cNvPr id="5" name="Metin kutusu 4">
+            <a:hlinkClick r:id="rId2"/>
+          </p:cNvPr>
+          <p:cNvSpPr txBox="1"/>
+          <p:nvPr/>
+        </p:nvSpPr>
+        <p:spPr>
+          <a:xfrm>
+            <a:off x="1452365" y="6363554"/>
+            <a:ext cx="1793630" cy="369332"/>
+          </a:xfrm>
+          <a:prstGeom prst="rect">
+            <a:avLst/>
+          </a:prstGeom>
+          <a:noFill/>
+        </p:spPr>
+        <p:txBody>
+          <a:bodyPr wrap="square" rtlCol="0">
+            <a:spAutoFit/>
+          </a:bodyPr>
+          <a:lstStyle/>
+          <a:p>
+            <a:r>
+              <a:rPr lang="tr-TR" dirty="0" err="1" smtClean="0"/>
+              <a:t>Herkül</a:t>
+            </a:r>
+            <a:r>
+              <a:rPr lang="tr-TR" dirty="0"/>
+              <a:t> </a:t>
+            </a:r>
+            <a:r>
+              <a:rPr lang="tr-TR" dirty="0" smtClean="0"/>
+              <a:t>(</a:t>
+            </a:r>
+            <a:r>
+              <a:rPr lang="tr-TR" dirty="0" err="1" smtClean="0"/>
+              <a:t>disney</a:t>
+            </a:r>
+            <a:r>
+              <a:rPr lang="tr-TR" dirty="0" smtClean="0"/>
+              <a:t>)</a:t>
+            </a:r>
+            <a:endParaRPr lang="tr-TR" dirty="0"/>
+          </a:p>
+        </p:txBody>
+      </p:sp>
+      <p:pic>
+        <p:nvPicPr>
+          <p:cNvPr id="5124" name="Picture 4" descr="11 Solid Drawing ideas | drawings, principles of animation, animation"/>
+          <p:cNvPicPr>
+            <a:picLocks noChangeAspect="1" noChangeArrowheads="1"/>
+          </p:cNvPicPr>
+          <p:nvPr/>
+        </p:nvPicPr>
+        <p:blipFill>
+          <a:blip r:embed="rId3">
+            <a:extLst>
+              <a:ext uri="{28A0092B-C50C-407E-A947-70E740481C1C}">
+                <a14:useLocalDpi xmlns:a14="http://schemas.microsoft.com/office/drawing/2010/main" val="0"/>
+              </a:ext>
+            </a:extLst>
+          </a:blip>
+          <a:srcRect/>
+          <a:stretch>
+            <a:fillRect/>
+          </a:stretch>
+        </p:blipFill>
+        <p:spPr bwMode="auto">
+          <a:xfrm>
+            <a:off x="785783" y="2149657"/>
+            <a:ext cx="4020344" cy="3952204"/>
+          </a:xfrm>
+          <a:prstGeom prst="rect">
+            <a:avLst/>
+          </a:prstGeom>
+          <a:noFill/>
+          <a:extLst>
+            <a:ext uri="{909E8E84-426E-40DD-AFC4-6F175D3DCCD1}">
+              <a14:hiddenFill xmlns:a14="http://schemas.microsoft.com/office/drawing/2010/main">
+                <a:solidFill>
+                  <a:srgbClr val="FFFFFF"/>
+                </a:solidFill>
+              </a14:hiddenFill>
+            </a:ext>
+          </a:extLst>
+        </p:spPr>
+      </p:pic>
+    </p:spTree>
+    <p:extLst>
+      <p:ext uri="{BB962C8B-B14F-4D97-AF65-F5344CB8AC3E}">
+        <p14:creationId xmlns:p14="http://schemas.microsoft.com/office/powerpoint/2010/main" val="3750081896"/>
+      </p:ext>
+    </p:extLst>
+  </p:cSld>
+  <p:clrMapOvr>
+    <a:masterClrMapping/>
+  </p:clrMapOvr>
+  <p:timing>
+    <p:tnLst>
+      <p:par>
+        <p:cTn id="1" dur="indefinite" restart="never" nodeType="tmRoot"/>
+      </p:par>
+    </p:tnLst>
+  </p:timing>
+</p:sld>
+</file>
+
+<file path=ppt/slides/slide14.xml><?xml version="1.0" encoding="utf-8"?>
+<p:sld xmlns:a="http://schemas.openxmlformats.org/drawingml/2006/main" xmlns:r="http://schemas.openxmlformats.org/officeDocument/2006/relationships" xmlns:p="http://schemas.openxmlformats.org/presentationml/2006/main">
+  <p:cSld>
+    <p:spTree>
+      <p:nvGrpSpPr>
+        <p:cNvPr id="1" name=""/>
+        <p:cNvGrpSpPr/>
+        <p:nvPr/>
+      </p:nvGrpSpPr>
+      <p:grpSpPr>
+        <a:xfrm>
+          <a:off x="0" y="0"/>
+          <a:ext cx="0" cy="0"/>
+          <a:chOff x="0" y="0"/>
+          <a:chExt cx="0" cy="0"/>
+        </a:xfrm>
+      </p:grpSpPr>
+      <p:sp>
+        <p:nvSpPr>
+          <p:cNvPr id="2" name="Unvan 1"/>
+          <p:cNvSpPr>
+            <a:spLocks noGrp="1"/>
+          </p:cNvSpPr>
+          <p:nvPr>
+            <p:ph type="title"/>
+          </p:nvPr>
+        </p:nvSpPr>
+        <p:spPr/>
+        <p:txBody>
+          <a:bodyPr/>
+          <a:lstStyle/>
+          <a:p>
+            <a:endParaRPr lang="tr-TR"/>
+          </a:p>
+        </p:txBody>
+      </p:sp>
+      <p:sp>
+        <p:nvSpPr>
+          <p:cNvPr id="3" name="İçerik Yer Tutucusu 2"/>
+          <p:cNvSpPr>
+            <a:spLocks noGrp="1"/>
+          </p:cNvSpPr>
+          <p:nvPr>
+            <p:ph idx="1"/>
+          </p:nvPr>
+        </p:nvSpPr>
+        <p:spPr/>
+        <p:txBody>
+          <a:bodyPr/>
+          <a:lstStyle/>
+          <a:p>
+            <a:endParaRPr lang="tr-TR"/>
+          </a:p>
+        </p:txBody>
+      </p:sp>
+    </p:spTree>
+    <p:extLst>
+      <p:ext uri="{BB962C8B-B14F-4D97-AF65-F5344CB8AC3E}">
+        <p14:creationId xmlns:p14="http://schemas.microsoft.com/office/powerpoint/2010/main" val="4068299300"/>
+      </p:ext>
+    </p:extLst>
+  </p:cSld>
+  <p:clrMapOvr>
+    <a:masterClrMapping/>
+  </p:clrMapOvr>
+  <p:timing>
+    <p:tnLst>
+      <p:par>
+        <p:cTn id="1" dur="indefinite" restart="never" nodeType="tmRoot"/>
+      </p:par>
+    </p:tnLst>
+  </p:timing>
+</p:sld>
+</file>
+
+<file path=ppt/slides/slide15.xml><?xml version="1.0" encoding="utf-8"?>
+<p:sld xmlns:a="http://schemas.openxmlformats.org/drawingml/2006/main" xmlns:r="http://schemas.openxmlformats.org/officeDocument/2006/relationships" xmlns:p="http://schemas.openxmlformats.org/presentationml/2006/main">
+  <p:cSld>
+    <p:spTree>
+      <p:nvGrpSpPr>
+        <p:cNvPr id="1" name=""/>
+        <p:cNvGrpSpPr/>
+        <p:nvPr/>
+      </p:nvGrpSpPr>
+      <p:grpSpPr>
+        <a:xfrm>
+          <a:off x="0" y="0"/>
+          <a:ext cx="0" cy="0"/>
+          <a:chOff x="0" y="0"/>
+          <a:chExt cx="0" cy="0"/>
+        </a:xfrm>
+      </p:grpSpPr>
+      <p:sp>
+        <p:nvSpPr>
           <p:cNvPr id="2" name="Title 1">
             <a:extLst>
               <a:ext uri="{FF2B5EF4-FFF2-40B4-BE49-F238E27FC236}">
@@ -5834,6 +8348,13 @@
   <p:clrMapOvr>
     <a:masterClrMapping/>
   </p:clrMapOvr>
+  <p:timing>
+    <p:tnLst>
+      <p:par>
+        <p:cTn id="1" dur="indefinite" restart="never" nodeType="tmRoot"/>
+      </p:par>
+    </p:tnLst>
+  </p:timing>
 </p:sld>
 </file>
 
@@ -6004,9 +8525,17 @@
               </a:rPr>
               <a:t>Bir animasyonun göze hoş görünmesi için bazı kıstaslar vardır. Bunlar olmadığında izleyenlerin içinde sanki eksik bir şeyler varmış gibi bir his oluşur. İşin profesyonel olmadığını düşünürler.</a:t>
             </a:r>
+            <a:r>
+              <a:rPr lang="tr-TR" dirty="0"/>
+              <a:t/>
+            </a:r>
             <a:br>
               <a:rPr lang="tr-TR" dirty="0"/>
             </a:br>
+            <a:r>
+              <a:rPr lang="tr-TR" dirty="0"/>
+              <a:t/>
+            </a:r>
             <a:br>
               <a:rPr lang="tr-TR" dirty="0"/>
             </a:br>
@@ -6015,6 +8544,10 @@
                 <a:effectLst/>
               </a:rPr>
               <a:t>Disney animasyon sanatçıları yıllar önce bu kıstasları Animasyonun 12 Prensibi adı altında toplamışlar. Kimisi olmazsa olmaz, kimisi ise olursa daha iyi olur bu prensiplerin. Hazırladığımız animasyonun göz alıcı olabilmesi için ilk önce inandırıcı olması lazım. Sadece karakterlerin değil, tüm objelerin fizik kurallarına (en azından animasyonun kendi mantığı içinde) uygun hareket etmesi gerekiyor. Bu prensipler hareket eden bir nesnenin hacmini, kütlesini en doğal şekilde yansıtmasına yardımcı olan kurallarla birlikte ortaya çıkan işin göze hoş görünmesiyle ilgili önerilerden oluşuyor.</a:t>
+            </a:r>
+            <a:r>
+              <a:rPr lang="tr-TR" sz="1700" dirty="0"/>
+              <a:t/>
             </a:r>
             <a:br>
               <a:rPr lang="tr-TR" sz="1700" dirty="0"/>
@@ -6033,6 +8566,13 @@
   <p:clrMapOvr>
     <a:masterClrMapping/>
   </p:clrMapOvr>
+  <p:timing>
+    <p:tnLst>
+      <p:par>
+        <p:cTn id="1" dur="indefinite" restart="never" nodeType="tmRoot"/>
+      </p:par>
+    </p:tnLst>
+  </p:timing>
 </p:sld>
 </file>
 
@@ -6042,7 +8582,7 @@
     <p:bg>
       <p:bgPr>
         <a:blipFill rotWithShape="1">
-          <a:blip r:embed="rId2">
+          <a:blip r:embed="rId3">
             <a:duotone>
               <a:schemeClr val="bg2">
                 <a:shade val="28000"/>
@@ -6092,7 +8632,7 @@
           <p:nvPr/>
         </p:nvPicPr>
         <p:blipFill rotWithShape="1">
-          <a:blip r:embed="rId3">
+          <a:blip r:embed="rId4">
             <a:alphaModFix amt="15000"/>
             <a:extLst/>
           </a:blip>
@@ -6166,12 +8706,12 @@
         <p:spPr>
           <a:xfrm>
             <a:off x="617838" y="1865871"/>
-            <a:ext cx="11353445" cy="4797688"/>
+            <a:ext cx="9980889" cy="4797688"/>
           </a:xfrm>
         </p:spPr>
         <p:txBody>
           <a:bodyPr>
-            <a:normAutofit/>
+            <a:normAutofit lnSpcReduction="10000"/>
           </a:bodyPr>
           <a:lstStyle/>
           <a:p>
@@ -6181,11 +8721,14 @@
               </a:lnSpc>
             </a:pPr>
             <a:r>
-              <a:rPr lang="tr-TR" sz="2800" dirty="0">
+              <a:rPr lang="tr-TR" sz="2400" dirty="0">
                 <a:effectLst/>
               </a:rPr>
-              <a:t>Eğer objemiz kaya ya da demir gibi sert bir madde değilse düştüğünde önce ezilir sonra ise esner. Objenin elastikiyetine bağlı olarak bu ezilme ve esneme miktarı artar. Gerçek hayatta belki her zaman gözümüz bu durumu fark etmez ama örneğin lastik bir topu yüksek hızlı kameraya alarak yere atarsak bu esneme ve ezilmeyi çok net gözlemleyebiliriz. Bu durum sadece obje yere düştüğünde yaşanmaz. Elastikiyeti olan tüm objeler hareketleri sırasında az ya da çok olarak ezilir ve esnerler. Bu yöntemi animasyonlarımızda kullanmak, nesnelerimize gerçeklik katacaktır.</a:t>
-            </a:r>
+              <a:t>Eğer objemiz kaya ya da demir gibi sert bir madde değilse düştüğünde önce ezilir sonra ise esner. Objenin elastikiyetine bağlı olarak bu ezilme ve esneme miktarı artar. Gerçek hayatta belki her zaman gözümüz bu durumu fark etmez ama örneğin lastik bir topu yüksek hızlı kameraya alarak yere atarsak bu esneme ve ezilmeyi çok net gözlemleyebiliriz. </a:t>
+            </a:r>
+            <a:endParaRPr lang="tr-TR" sz="2400" dirty="0" smtClean="0">
+              <a:effectLst/>
+            </a:endParaRPr>
           </a:p>
           <a:p>
             <a:pPr>
@@ -6193,10 +8736,86 @@
                 <a:spcPct val="90000"/>
               </a:lnSpc>
             </a:pPr>
+            <a:endParaRPr lang="tr-TR" sz="2400" dirty="0" smtClean="0">
+              <a:effectLst/>
+            </a:endParaRPr>
+          </a:p>
+          <a:p>
+            <a:pPr>
+              <a:lnSpc>
+                <a:spcPct val="90000"/>
+              </a:lnSpc>
+            </a:pPr>
+            <a:r>
+              <a:rPr lang="tr-TR" sz="2400" dirty="0" smtClean="0">
+                <a:effectLst/>
+              </a:rPr>
+              <a:t>Bu </a:t>
+            </a:r>
+            <a:r>
+              <a:rPr lang="tr-TR" sz="2400" dirty="0">
+                <a:effectLst/>
+              </a:rPr>
+              <a:t>durum sadece obje yere düştüğünde yaşanmaz. Elastikiyeti olan tüm objeler hareketleri sırasında az ya da çok olarak ezilir ve esnerler. Bu yöntemi animasyonlarımızda kullanmak, nesnelerimize gerçeklik katacaktır.</a:t>
+            </a:r>
+          </a:p>
+          <a:p>
+            <a:pPr marL="0" indent="0">
+              <a:lnSpc>
+                <a:spcPct val="90000"/>
+              </a:lnSpc>
+              <a:buNone/>
+            </a:pPr>
+            <a:r>
+              <a:rPr lang="tr-TR" sz="2800" dirty="0"/>
+              <a:t/>
+            </a:r>
             <a:br>
               <a:rPr lang="tr-TR" sz="2800" dirty="0"/>
             </a:br>
             <a:endParaRPr lang="tr-TR" sz="2800" dirty="0"/>
+          </a:p>
+        </p:txBody>
+      </p:sp>
+      <p:sp>
+        <p:nvSpPr>
+          <p:cNvPr id="5" name="Metin kutusu 4">
+            <a:hlinkClick r:id="rId5"/>
+          </p:cNvPr>
+          <p:cNvSpPr txBox="1"/>
+          <p:nvPr/>
+        </p:nvSpPr>
+        <p:spPr>
+          <a:xfrm>
+            <a:off x="1118164" y="6017228"/>
+            <a:ext cx="5057795" cy="646331"/>
+          </a:xfrm>
+          <a:prstGeom prst="rect">
+            <a:avLst/>
+          </a:prstGeom>
+          <a:noFill/>
+        </p:spPr>
+        <p:txBody>
+          <a:bodyPr wrap="none" rtlCol="0">
+            <a:spAutoFit/>
+          </a:bodyPr>
+          <a:lstStyle/>
+          <a:p>
+            <a:r>
+              <a:rPr lang="en-US" dirty="0"/>
+              <a:t>Pixar Shorts Collection </a:t>
+            </a:r>
+            <a:r>
+              <a:rPr lang="en-US" dirty="0" err="1"/>
+              <a:t>Luxo</a:t>
+            </a:r>
+            <a:r>
+              <a:rPr lang="en-US" dirty="0"/>
+              <a:t> Jr 1986 YouTube</a:t>
+            </a:r>
+          </a:p>
+          <a:p>
+            <a:endParaRPr lang="tr-TR" dirty="0"/>
           </a:p>
         </p:txBody>
       </p:sp>
@@ -6210,6 +8829,13 @@
   <p:clrMapOvr>
     <a:masterClrMapping/>
   </p:clrMapOvr>
+  <p:timing>
+    <p:tnLst>
+      <p:par>
+        <p:cTn id="1" dur="indefinite" restart="never" nodeType="tmRoot"/>
+      </p:par>
+    </p:tnLst>
+  </p:timing>
 </p:sld>
 </file>
 
@@ -6246,7 +8872,7 @@
                 <a16:creationId xmlns:a16="http://schemas.microsoft.com/office/drawing/2014/main" id="{F5F28DF4-08D5-4BC4-84A1-C0DCA66F483F}"/>
               </a:ext>
               <a:ext uri="{C183D7F6-B498-43B3-948B-1728B52AA6E4}">
-                <adec:decorative xmlns:adec="http://schemas.microsoft.com/office/drawing/2017/decorative" val="1"/>
+                <adec:decorative xmlns:adec="http://schemas.microsoft.com/office/drawing/2017/decorative" xmlns="" val="1"/>
               </a:ext>
             </a:extLst>
           </p:cNvPr>
@@ -6443,7 +9069,7 @@
                 <a16:creationId xmlns:a16="http://schemas.microsoft.com/office/drawing/2014/main" id="{89AE0452-FADF-4CC9-8A9B-B5393D499F44}"/>
               </a:ext>
               <a:ext uri="{C183D7F6-B498-43B3-948B-1728B52AA6E4}">
-                <adec:decorative xmlns:adec="http://schemas.microsoft.com/office/drawing/2017/decorative" val="1"/>
+                <adec:decorative xmlns:adec="http://schemas.microsoft.com/office/drawing/2017/decorative" xmlns="" val="1"/>
               </a:ext>
             </a:extLst>
           </p:cNvPr>
@@ -6523,6 +9149,7 @@
       <p:pic>
         <p:nvPicPr>
           <p:cNvPr id="5" name="Picture 4">
+            <a:hlinkClick r:id="rId3"/>
             <a:extLst>
               <a:ext uri="{FF2B5EF4-FFF2-40B4-BE49-F238E27FC236}">
                 <a16:creationId xmlns:a16="http://schemas.microsoft.com/office/drawing/2014/main" id="{8AF15B50-D4FC-0747-9A30-11327754651B}"/>
@@ -6535,7 +9162,7 @@
           <p:nvPr/>
         </p:nvPicPr>
         <p:blipFill>
-          <a:blip r:embed="rId2"/>
+          <a:blip r:embed="rId4"/>
           <a:stretch>
             <a:fillRect/>
           </a:stretch>
@@ -6560,6 +9187,13 @@
   <p:clrMapOvr>
     <a:overrideClrMapping bg1="lt1" tx1="dk1" bg2="lt2" tx2="dk2" accent1="accent1" accent2="accent2" accent3="accent3" accent4="accent4" accent5="accent5" accent6="accent6" hlink="hlink" folHlink="folHlink"/>
   </p:clrMapOvr>
+  <p:timing>
+    <p:tnLst>
+      <p:par>
+        <p:cTn id="1" dur="indefinite" restart="never" nodeType="tmRoot"/>
+      </p:par>
+    </p:tnLst>
+  </p:timing>
 </p:sld>
 </file>
 
@@ -6569,7 +9203,7 @@
     <p:bg>
       <p:bgPr>
         <a:blipFill rotWithShape="1">
-          <a:blip r:embed="rId2">
+          <a:blip r:embed="rId3">
             <a:duotone>
               <a:schemeClr val="bg2">
                 <a:shade val="28000"/>
@@ -6643,11 +9277,23 @@
                 <a:effectLst/>
               </a:rPr>
             </a:br>
+            <a:r>
+              <a:rPr lang="tr-TR" sz="2800">
+                <a:effectLst/>
+              </a:rPr>
+              <a:t/>
+            </a:r>
             <a:br>
               <a:rPr lang="tr-TR" sz="2800">
                 <a:effectLst/>
               </a:rPr>
             </a:br>
+            <a:r>
+              <a:rPr lang="tr-TR" sz="2800">
+                <a:effectLst/>
+              </a:rPr>
+              <a:t/>
+            </a:r>
             <a:br>
               <a:rPr lang="tr-TR" sz="2800">
                 <a:effectLst/>
@@ -6703,6 +9349,7 @@
       <p:pic>
         <p:nvPicPr>
           <p:cNvPr id="5" name="Picture 4">
+            <a:hlinkClick r:id="rId4"/>
             <a:extLst>
               <a:ext uri="{FF2B5EF4-FFF2-40B4-BE49-F238E27FC236}">
                 <a16:creationId xmlns:a16="http://schemas.microsoft.com/office/drawing/2014/main" id="{4982D0F2-FAB6-944A-85F8-3B6DD0AB1568}"/>
@@ -6715,7 +9362,7 @@
           <p:nvPr/>
         </p:nvPicPr>
         <p:blipFill rotWithShape="1">
-          <a:blip r:embed="rId3"/>
+          <a:blip r:embed="rId5"/>
           <a:srcRect l="34719" r="10254" b="1"/>
           <a:stretch/>
         </p:blipFill>
@@ -6764,6 +9411,13 @@
   <p:clrMapOvr>
     <a:masterClrMapping/>
   </p:clrMapOvr>
+  <p:timing>
+    <p:tnLst>
+      <p:par>
+        <p:cTn id="1" dur="indefinite" restart="never" nodeType="tmRoot"/>
+      </p:par>
+    </p:tnLst>
+  </p:timing>
 </p:sld>
 </file>
 
@@ -6800,7 +9454,12 @@
             <p:ph type="title"/>
           </p:nvPr>
         </p:nvSpPr>
-        <p:spPr/>
+        <p:spPr>
+          <a:xfrm>
+            <a:off x="1141413" y="330201"/>
+            <a:ext cx="9905998" cy="1905000"/>
+          </a:xfrm>
+        </p:spPr>
         <p:txBody>
           <a:bodyPr/>
           <a:lstStyle/>
@@ -6886,6 +9545,7 @@
       <p:pic>
         <p:nvPicPr>
           <p:cNvPr id="4" name="Picture 3">
+            <a:hlinkClick r:id="rId3"/>
             <a:extLst>
               <a:ext uri="{FF2B5EF4-FFF2-40B4-BE49-F238E27FC236}">
                 <a16:creationId xmlns:a16="http://schemas.microsoft.com/office/drawing/2014/main" id="{F4A55B88-47BB-F149-A3AD-AF5149D5299B}"/>
@@ -6898,7 +9558,7 @@
           <p:nvPr/>
         </p:nvPicPr>
         <p:blipFill>
-          <a:blip r:embed="rId2"/>
+          <a:blip r:embed="rId4"/>
           <a:stretch>
             <a:fillRect/>
           </a:stretch>
@@ -6957,6 +9617,13 @@
   <p:clrMapOvr>
     <a:masterClrMapping/>
   </p:clrMapOvr>
+  <p:timing>
+    <p:tnLst>
+      <p:par>
+        <p:cTn id="1" dur="indefinite" restart="never" nodeType="tmRoot"/>
+      </p:par>
+    </p:tnLst>
+  </p:timing>
 </p:sld>
 </file>
 
@@ -6993,7 +9660,7 @@
                 <a16:creationId xmlns:a16="http://schemas.microsoft.com/office/drawing/2014/main" id="{F5F28DF4-08D5-4BC4-84A1-C0DCA66F483F}"/>
               </a:ext>
               <a:ext uri="{C183D7F6-B498-43B3-948B-1728B52AA6E4}">
-                <adec:decorative xmlns:adec="http://schemas.microsoft.com/office/drawing/2017/decorative" val="1"/>
+                <adec:decorative xmlns:adec="http://schemas.microsoft.com/office/drawing/2017/decorative" xmlns="" val="1"/>
               </a:ext>
             </a:extLst>
           </p:cNvPr>
@@ -7136,7 +9803,7 @@
         </p:spPr>
         <p:txBody>
           <a:bodyPr anchor="t">
-            <a:normAutofit fontScale="92500" lnSpcReduction="10000"/>
+            <a:normAutofit fontScale="92500" lnSpcReduction="20000"/>
           </a:bodyPr>
           <a:lstStyle/>
           <a:p>
@@ -7192,7 +9859,7 @@
                 <a16:creationId xmlns:a16="http://schemas.microsoft.com/office/drawing/2014/main" id="{89AE0452-FADF-4CC9-8A9B-B5393D499F44}"/>
               </a:ext>
               <a:ext uri="{C183D7F6-B498-43B3-948B-1728B52AA6E4}">
-                <adec:decorative xmlns:adec="http://schemas.microsoft.com/office/drawing/2017/decorative" val="1"/>
+                <adec:decorative xmlns:adec="http://schemas.microsoft.com/office/drawing/2017/decorative" xmlns="" val="1"/>
               </a:ext>
             </a:extLst>
           </p:cNvPr>
@@ -7284,7 +9951,7 @@
           <p:nvPr/>
         </p:nvPicPr>
         <p:blipFill>
-          <a:blip r:embed="rId2"/>
+          <a:blip r:embed="rId3"/>
           <a:stretch>
             <a:fillRect/>
           </a:stretch>
@@ -7299,6 +9966,46 @@
           </a:prstGeom>
         </p:spPr>
       </p:pic>
+      <p:sp>
+        <p:nvSpPr>
+          <p:cNvPr id="5" name="Metin kutusu 4">
+            <a:hlinkClick r:id="rId4"/>
+          </p:cNvPr>
+          <p:cNvSpPr txBox="1"/>
+          <p:nvPr/>
+        </p:nvSpPr>
+        <p:spPr>
+          <a:xfrm>
+            <a:off x="1327638" y="6216162"/>
+            <a:ext cx="1215397" cy="369332"/>
+          </a:xfrm>
+          <a:prstGeom prst="rect">
+            <a:avLst/>
+          </a:prstGeom>
+          <a:noFill/>
+        </p:spPr>
+        <p:txBody>
+          <a:bodyPr wrap="none" rtlCol="0">
+            <a:spAutoFit/>
+          </a:bodyPr>
+          <a:lstStyle/>
+          <a:p>
+            <a:r>
+              <a:rPr lang="tr-TR" dirty="0" err="1" smtClean="0">
+                <a:solidFill>
+                  <a:schemeClr val="bg1"/>
+                </a:solidFill>
+              </a:rPr>
+              <a:t>Rapunzel</a:t>
+            </a:r>
+            <a:endParaRPr lang="tr-TR" dirty="0">
+              <a:solidFill>
+                <a:schemeClr val="bg1"/>
+              </a:solidFill>
+            </a:endParaRPr>
+          </a:p>
+        </p:txBody>
+      </p:sp>
     </p:spTree>
     <p:extLst>
       <p:ext uri="{BB962C8B-B14F-4D97-AF65-F5344CB8AC3E}">
@@ -7309,6 +10016,13 @@
   <p:clrMapOvr>
     <a:overrideClrMapping bg1="lt1" tx1="dk1" bg2="lt2" tx2="dk2" accent1="accent1" accent2="accent2" accent3="accent3" accent4="accent4" accent5="accent5" accent6="accent6" hlink="hlink" folHlink="folHlink"/>
   </p:clrMapOvr>
+  <p:timing>
+    <p:tnLst>
+      <p:par>
+        <p:cTn id="1" dur="indefinite" restart="never" nodeType="tmRoot"/>
+      </p:par>
+    </p:tnLst>
+  </p:timing>
 </p:sld>
 </file>
 
@@ -7318,7 +10032,7 @@
     <p:bg>
       <p:bgPr>
         <a:blipFill rotWithShape="1">
-          <a:blip r:embed="rId2">
+          <a:blip r:embed="rId3">
             <a:duotone>
               <a:schemeClr val="bg2">
                 <a:shade val="28000"/>
@@ -7368,7 +10082,7 @@
           <p:nvPr/>
         </p:nvPicPr>
         <p:blipFill rotWithShape="1">
-          <a:blip r:embed="rId3">
+          <a:blip r:embed="rId4">
             <a:alphaModFix amt="15000"/>
             <a:extLst/>
           </a:blip>
@@ -7377,7 +10091,7 @@
         </p:blipFill>
         <p:spPr>
           <a:xfrm>
-            <a:off x="20" y="10"/>
+            <a:off x="20" y="8802"/>
             <a:ext cx="12191980" cy="6857990"/>
           </a:xfrm>
           <a:prstGeom prst="rect">
@@ -7429,11 +10143,23 @@
                 <a:effectLst/>
               </a:rPr>
             </a:br>
+            <a:r>
+              <a:rPr lang="tr-TR" sz="3600" dirty="0">
+                <a:effectLst/>
+              </a:rPr>
+              <a:t/>
+            </a:r>
             <a:br>
               <a:rPr lang="tr-TR" sz="3600" dirty="0">
                 <a:effectLst/>
               </a:rPr>
             </a:br>
+            <a:r>
+              <a:rPr lang="tr-TR" sz="3600" dirty="0">
+                <a:effectLst/>
+              </a:rPr>
+              <a:t/>
+            </a:r>
             <a:br>
               <a:rPr lang="tr-TR" sz="3600" dirty="0">
                 <a:effectLst/>
@@ -7482,10 +10208,50 @@
               </a:rPr>
               <a:t>Günlük hayatta objeler çoklukla ya artan ya da azalan ivmeyle hareket ederler. Yere düşen bir top gittikçe hızlanır ya da hızlıca kolumuzu kaldırdığımızda, kolumuz durma anına doğru yavaşlar. Eğer hareketlerin gerçek hayattakiler gibi olmasını istiyorsak ivmeli hareketler vermeye özen göstermeliyiz.</a:t>
             </a:r>
+            <a:r>
+              <a:rPr lang="tr-TR" sz="3200" dirty="0"/>
+              <a:t/>
+            </a:r>
             <a:br>
               <a:rPr lang="tr-TR" sz="3200" dirty="0"/>
             </a:br>
             <a:endParaRPr lang="tr-TR" sz="3200" dirty="0"/>
+          </a:p>
+        </p:txBody>
+      </p:sp>
+      <p:sp>
+        <p:nvSpPr>
+          <p:cNvPr id="5" name="Metin kutusu 4">
+            <a:hlinkClick r:id="rId5"/>
+          </p:cNvPr>
+          <p:cNvSpPr txBox="1"/>
+          <p:nvPr/>
+        </p:nvSpPr>
+        <p:spPr>
+          <a:xfrm>
+            <a:off x="9961685" y="6084222"/>
+            <a:ext cx="1217000" cy="369332"/>
+          </a:xfrm>
+          <a:prstGeom prst="rect">
+            <a:avLst/>
+          </a:prstGeom>
+          <a:noFill/>
+        </p:spPr>
+        <p:txBody>
+          <a:bodyPr wrap="none" rtlCol="0">
+            <a:spAutoFit/>
+          </a:bodyPr>
+          <a:lstStyle/>
+          <a:p>
+            <a:r>
+              <a:rPr lang="tr-TR" dirty="0" err="1" smtClean="0"/>
+              <a:t>Pixar</a:t>
+            </a:r>
+            <a:r>
+              <a:rPr lang="tr-TR" dirty="0" smtClean="0"/>
+              <a:t> 1:30</a:t>
+            </a:r>
+            <a:endParaRPr lang="tr-TR" dirty="0"/>
           </a:p>
         </p:txBody>
       </p:sp>
@@ -7499,6 +10265,13 @@
   <p:clrMapOvr>
     <a:masterClrMapping/>
   </p:clrMapOvr>
+  <p:timing>
+    <p:tnLst>
+      <p:par>
+        <p:cTn id="1" dur="indefinite" restart="never" nodeType="tmRoot"/>
+      </p:par>
+    </p:tnLst>
+  </p:timing>
 </p:sld>
 </file>
 
@@ -7679,6 +10452,38 @@
           </a:effectLst>
         </p:spPr>
       </p:pic>
+      <p:sp>
+        <p:nvSpPr>
+          <p:cNvPr id="5" name="Metin kutusu 4">
+            <a:hlinkClick r:id="rId4"/>
+          </p:cNvPr>
+          <p:cNvSpPr txBox="1"/>
+          <p:nvPr/>
+        </p:nvSpPr>
+        <p:spPr>
+          <a:xfrm>
+            <a:off x="9758355" y="6286500"/>
+            <a:ext cx="1789272" cy="369332"/>
+          </a:xfrm>
+          <a:prstGeom prst="rect">
+            <a:avLst/>
+          </a:prstGeom>
+          <a:noFill/>
+        </p:spPr>
+        <p:txBody>
+          <a:bodyPr wrap="none" rtlCol="0">
+            <a:spAutoFit/>
+          </a:bodyPr>
+          <a:lstStyle/>
+          <a:p>
+            <a:r>
+              <a:rPr lang="tr-TR" dirty="0" smtClean="0"/>
+              <a:t>Mickey Mouse</a:t>
+            </a:r>
+            <a:endParaRPr lang="tr-TR" dirty="0"/>
+          </a:p>
+        </p:txBody>
+      </p:sp>
     </p:spTree>
     <p:extLst>
       <p:ext uri="{BB962C8B-B14F-4D97-AF65-F5344CB8AC3E}">
@@ -7689,6 +10494,13 @@
   <p:clrMapOvr>
     <a:masterClrMapping/>
   </p:clrMapOvr>
+  <p:timing>
+    <p:tnLst>
+      <p:par>
+        <p:cTn id="1" dur="indefinite" restart="never" nodeType="tmRoot"/>
+      </p:par>
+    </p:tnLst>
+  </p:timing>
 </p:sld>
 </file>
 
@@ -7946,4 +10758,265 @@
     </a:ext>
   </a:extLst>
 </a:theme>
+</file>
+
+<file path=ppt/theme/theme2.xml><?xml version="1.0" encoding="utf-8"?>
+<a:theme xmlns:a="http://schemas.openxmlformats.org/drawingml/2006/main" name="Office Teması">
+  <a:themeElements>
+    <a:clrScheme name="Office">
+      <a:dk1>
+        <a:sysClr val="windowText" lastClr="000000"/>
+      </a:dk1>
+      <a:lt1>
+        <a:sysClr val="window" lastClr="FFFFFF"/>
+      </a:lt1>
+      <a:dk2>
+        <a:srgbClr val="44546A"/>
+      </a:dk2>
+      <a:lt2>
+        <a:srgbClr val="E7E6E6"/>
+      </a:lt2>
+      <a:accent1>
+        <a:srgbClr val="5B9BD5"/>
+      </a:accent1>
+      <a:accent2>
+        <a:srgbClr val="ED7D31"/>
+      </a:accent2>
+      <a:accent3>
+        <a:srgbClr val="A5A5A5"/>
+      </a:accent3>
+      <a:accent4>
+        <a:srgbClr val="FFC000"/>
+      </a:accent4>
+      <a:accent5>
+        <a:srgbClr val="4472C4"/>
+      </a:accent5>
+      <a:accent6>
+        <a:srgbClr val="70AD47"/>
+      </a:accent6>
+      <a:hlink>
+        <a:srgbClr val="0563C1"/>
+      </a:hlink>
+      <a:folHlink>
+        <a:srgbClr val="954F72"/>
+      </a:folHlink>
+    </a:clrScheme>
+    <a:fontScheme name="Office">
+      <a:majorFont>
+        <a:latin typeface="Calibri Light" panose="020F0302020204030204"/>
+        <a:ea typeface=""/>
+        <a:cs typeface=""/>
+        <a:font script="Jpan" typeface="游ゴシック Light"/>
+        <a:font script="Hang" typeface="맑은 고딕"/>
+        <a:font script="Hans" typeface="等线 Light"/>
+        <a:font script="Hant" typeface="新細明體"/>
+        <a:font script="Arab" typeface="Times New Roman"/>
+        <a:font script="Hebr" typeface="Times New Roman"/>
+        <a:font script="Thai" typeface="Angsana New"/>
+        <a:font script="Ethi" typeface="Nyala"/>
+        <a:font script="Beng" typeface="Vrinda"/>
+        <a:font script="Gujr" typeface="Shruti"/>
+        <a:font script="Khmr" typeface="MoolBoran"/>
+        <a:font script="Knda" typeface="Tunga"/>
+        <a:font script="Guru" typeface="Raavi"/>
+        <a:font script="Cans" typeface="Euphemia"/>
+        <a:font script="Cher" typeface="Plantagenet Cherokee"/>
+        <a:font script="Yiii" typeface="Microsoft Yi Baiti"/>
+        <a:font script="Tibt" typeface="Microsoft Himalaya"/>
+        <a:font script="Thaa" typeface="MV Boli"/>
+        <a:font script="Deva" typeface="Mangal"/>
+        <a:font script="Telu" typeface="Gautami"/>
+        <a:font script="Taml" typeface="Latha"/>
+        <a:font script="Syrc" typeface="Estrangelo Edessa"/>
+        <a:font script="Orya" typeface="Kalinga"/>
+        <a:font script="Mlym" typeface="Kartika"/>
+        <a:font script="Laoo" typeface="DokChampa"/>
+        <a:font script="Sinh" typeface="Iskoola Pota"/>
+        <a:font script="Mong" typeface="Mongolian Baiti"/>
+        <a:font script="Viet" typeface="Times New Roman"/>
+        <a:font script="Uigh" typeface="Microsoft Uighur"/>
+        <a:font script="Geor" typeface="Sylfaen"/>
+      </a:majorFont>
+      <a:minorFont>
+        <a:latin typeface="Calibri" panose="020F0502020204030204"/>
+        <a:ea typeface=""/>
+        <a:cs typeface=""/>
+        <a:font script="Jpan" typeface="游ゴシック"/>
+        <a:font script="Hang" typeface="맑은 고딕"/>
+        <a:font script="Hans" typeface="等线"/>
+        <a:font script="Hant" typeface="新細明體"/>
+        <a:font script="Arab" typeface="Arial"/>
+        <a:font script="Hebr" typeface="Arial"/>
+        <a:font script="Thai" typeface="Cordia New"/>
+        <a:font script="Ethi" typeface="Nyala"/>
+        <a:font script="Beng" typeface="Vrinda"/>
+        <a:font script="Gujr" typeface="Shruti"/>
+        <a:font script="Khmr" typeface="DaunPenh"/>
+        <a:font script="Knda" typeface="Tunga"/>
+        <a:font script="Guru" typeface="Raavi"/>
+        <a:font script="Cans" typeface="Euphemia"/>
+        <a:font script="Cher" typeface="Plantagenet Cherokee"/>
+        <a:font script="Yiii" typeface="Microsoft Yi Baiti"/>
+        <a:font script="Tibt" typeface="Microsoft Himalaya"/>
+        <a:font script="Thaa" typeface="MV Boli"/>
+        <a:font script="Deva" typeface="Mangal"/>
+        <a:font script="Telu" typeface="Gautami"/>
+        <a:font script="Taml" typeface="Latha"/>
+        <a:font script="Syrc" typeface="Estrangelo Edessa"/>
+        <a:font script="Orya" typeface="Kalinga"/>
+        <a:font script="Mlym" typeface="Kartika"/>
+        <a:font script="Laoo" typeface="DokChampa"/>
+        <a:font script="Sinh" typeface="Iskoola Pota"/>
+        <a:font script="Mong" typeface="Mongolian Baiti"/>
+        <a:font script="Viet" typeface="Arial"/>
+        <a:font script="Uigh" typeface="Microsoft Uighur"/>
+        <a:font script="Geor" typeface="Sylfaen"/>
+      </a:minorFont>
+    </a:fontScheme>
+    <a:fmtScheme name="Office">
+      <a:fillStyleLst>
+        <a:solidFill>
+          <a:schemeClr val="phClr"/>
+        </a:solidFill>
+        <a:gradFill rotWithShape="1">
+          <a:gsLst>
+            <a:gs pos="0">
+              <a:schemeClr val="phClr">
+                <a:lumMod val="110000"/>
+                <a:satMod val="105000"/>
+                <a:tint val="67000"/>
+              </a:schemeClr>
+            </a:gs>
+            <a:gs pos="50000">
+              <a:schemeClr val="phClr">
+                <a:lumMod val="105000"/>
+                <a:satMod val="103000"/>
+                <a:tint val="73000"/>
+              </a:schemeClr>
+            </a:gs>
+            <a:gs pos="100000">
+              <a:schemeClr val="phClr">
+                <a:lumMod val="105000"/>
+                <a:satMod val="109000"/>
+                <a:tint val="81000"/>
+              </a:schemeClr>
+            </a:gs>
+          </a:gsLst>
+          <a:lin ang="5400000" scaled="0"/>
+        </a:gradFill>
+        <a:gradFill rotWithShape="1">
+          <a:gsLst>
+            <a:gs pos="0">
+              <a:schemeClr val="phClr">
+                <a:satMod val="103000"/>
+                <a:lumMod val="102000"/>
+                <a:tint val="94000"/>
+              </a:schemeClr>
+            </a:gs>
+            <a:gs pos="50000">
+              <a:schemeClr val="phClr">
+                <a:satMod val="110000"/>
+                <a:lumMod val="100000"/>
+                <a:shade val="100000"/>
+              </a:schemeClr>
+            </a:gs>
+            <a:gs pos="100000">
+              <a:schemeClr val="phClr">
+                <a:lumMod val="99000"/>
+                <a:satMod val="120000"/>
+                <a:shade val="78000"/>
+              </a:schemeClr>
+            </a:gs>
+          </a:gsLst>
+          <a:lin ang="5400000" scaled="0"/>
+        </a:gradFill>
+      </a:fillStyleLst>
+      <a:lnStyleLst>
+        <a:ln w="6350" cap="flat" cmpd="sng" algn="ctr">
+          <a:solidFill>
+            <a:schemeClr val="phClr"/>
+          </a:solidFill>
+          <a:prstDash val="solid"/>
+          <a:miter lim="800000"/>
+        </a:ln>
+        <a:ln w="12700" cap="flat" cmpd="sng" algn="ctr">
+          <a:solidFill>
+            <a:schemeClr val="phClr"/>
+          </a:solidFill>
+          <a:prstDash val="solid"/>
+          <a:miter lim="800000"/>
+        </a:ln>
+        <a:ln w="19050" cap="flat" cmpd="sng" algn="ctr">
+          <a:solidFill>
+            <a:schemeClr val="phClr"/>
+          </a:solidFill>
+          <a:prstDash val="solid"/>
+          <a:miter lim="800000"/>
+        </a:ln>
+      </a:lnStyleLst>
+      <a:effectStyleLst>
+        <a:effectStyle>
+          <a:effectLst/>
+        </a:effectStyle>
+        <a:effectStyle>
+          <a:effectLst/>
+        </a:effectStyle>
+        <a:effectStyle>
+          <a:effectLst>
+            <a:outerShdw blurRad="57150" dist="19050" dir="5400000" algn="ctr" rotWithShape="0">
+              <a:srgbClr val="000000">
+                <a:alpha val="63000"/>
+              </a:srgbClr>
+            </a:outerShdw>
+          </a:effectLst>
+        </a:effectStyle>
+      </a:effectStyleLst>
+      <a:bgFillStyleLst>
+        <a:solidFill>
+          <a:schemeClr val="phClr"/>
+        </a:solidFill>
+        <a:solidFill>
+          <a:schemeClr val="phClr">
+            <a:tint val="95000"/>
+            <a:satMod val="170000"/>
+          </a:schemeClr>
+        </a:solidFill>
+        <a:gradFill rotWithShape="1">
+          <a:gsLst>
+            <a:gs pos="0">
+              <a:schemeClr val="phClr">
+                <a:tint val="93000"/>
+                <a:satMod val="150000"/>
+                <a:shade val="98000"/>
+                <a:lumMod val="102000"/>
+              </a:schemeClr>
+            </a:gs>
+            <a:gs pos="50000">
+              <a:schemeClr val="phClr">
+                <a:tint val="98000"/>
+                <a:satMod val="130000"/>
+                <a:shade val="90000"/>
+                <a:lumMod val="103000"/>
+              </a:schemeClr>
+            </a:gs>
+            <a:gs pos="100000">
+              <a:schemeClr val="phClr">
+                <a:shade val="63000"/>
+                <a:satMod val="120000"/>
+              </a:schemeClr>
+            </a:gs>
+          </a:gsLst>
+          <a:lin ang="5400000" scaled="0"/>
+        </a:gradFill>
+      </a:bgFillStyleLst>
+    </a:fmtScheme>
+  </a:themeElements>
+  <a:objectDefaults/>
+  <a:extraClrSchemeLst/>
+  <a:extLst>
+    <a:ext uri="{05A4C25C-085E-4340-85A3-A5531E510DB2}">
+      <thm15:themeFamily xmlns:thm15="http://schemas.microsoft.com/office/thememl/2012/main" name="Office Theme" id="{62F939B6-93AF-4DB8-9C6B-D6C7DFDC589F}" vid="{4A3C46E8-61CC-4603-A589-7422A47A8E4A}"/>
+    </a:ext>
+  </a:extLst>
+</a:theme>
 </file>